--- a/中越詩歌/愛我們的家yeu gia dinh minh.pptx
+++ b/中越詩歌/愛我們的家yeu gia dinh minh.pptx
@@ -10,7 +10,7 @@
     <p:sldId id="259" r:id="rId4"/>
     <p:sldId id="260" r:id="rId5"/>
   </p:sldIdLst>
-  <p:sldSz cx="9144000" cy="6858000" type="screen4x3"/>
+  <p:sldSz cx="12192000" cy="6858000"/>
   <p:notesSz cx="6858000" cy="9144000"/>
   <p:defaultTextStyle>
     <a:defPPr>
@@ -107,6 +107,22 @@
       </a:defRPr>
     </a:lvl9pPr>
   </p:defaultTextStyle>
+  <p:extLst>
+    <p:ext uri="{EFAFB233-063F-42B5-8137-9DF3F51BA10A}">
+      <p15:sldGuideLst xmlns:p15="http://schemas.microsoft.com/office/powerpoint/2012/main">
+        <p15:guide id="1" orient="horz" pos="2160" userDrawn="1">
+          <p15:clr>
+            <a:srgbClr val="A4A3A4"/>
+          </p15:clr>
+        </p15:guide>
+        <p15:guide id="2" pos="3840" userDrawn="1">
+          <p15:clr>
+            <a:srgbClr val="A4A3A4"/>
+          </p15:clr>
+        </p15:guide>
+      </p15:sldGuideLst>
+    </p:ext>
+  </p:extLst>
 </p:presentation>
 </file>
 
@@ -139,8 +155,8 @@
         </p:nvSpPr>
         <p:spPr>
           <a:xfrm>
-            <a:off x="685800" y="2130425"/>
-            <a:ext cx="7772400" cy="1470025"/>
+            <a:off x="914400" y="2130426"/>
+            <a:ext cx="10363200" cy="1470025"/>
           </a:xfrm>
         </p:spPr>
         <p:txBody>
@@ -167,8 +183,8 @@
         </p:nvSpPr>
         <p:spPr>
           <a:xfrm>
-            <a:off x="1371600" y="3886200"/>
-            <a:ext cx="6400800" cy="1752600"/>
+            <a:off x="1828800" y="3886200"/>
+            <a:ext cx="8534400" cy="1752600"/>
           </a:xfrm>
         </p:spPr>
         <p:txBody>
@@ -291,7 +307,7 @@
           <a:p>
             <a:fld id="{85141F37-EE6A-49A0-AF4A-1A27AC8B9036}" type="datetimeFigureOut">
               <a:rPr lang="zh-TW" altLang="en-US" smtClean="0"/>
-              <a:t>2018/5/10</a:t>
+              <a:t>2022/1/1</a:t>
             </a:fld>
             <a:endParaRPr lang="zh-TW" altLang="en-US"/>
           </a:p>
@@ -456,7 +472,7 @@
           <a:p>
             <a:fld id="{85141F37-EE6A-49A0-AF4A-1A27AC8B9036}" type="datetimeFigureOut">
               <a:rPr lang="zh-TW" altLang="en-US" smtClean="0"/>
-              <a:t>2018/5/10</a:t>
+              <a:t>2022/1/1</a:t>
             </a:fld>
             <a:endParaRPr lang="zh-TW" altLang="en-US"/>
           </a:p>
@@ -541,8 +557,8 @@
         </p:nvSpPr>
         <p:spPr>
           <a:xfrm>
-            <a:off x="6629400" y="274638"/>
-            <a:ext cx="2057400" cy="5851525"/>
+            <a:off x="8839200" y="274639"/>
+            <a:ext cx="2743200" cy="5851525"/>
           </a:xfrm>
         </p:spPr>
         <p:txBody>
@@ -569,8 +585,8 @@
         </p:nvSpPr>
         <p:spPr>
           <a:xfrm>
-            <a:off x="457200" y="274638"/>
-            <a:ext cx="6019800" cy="5851525"/>
+            <a:off x="609600" y="274639"/>
+            <a:ext cx="8026400" cy="5851525"/>
           </a:xfrm>
         </p:spPr>
         <p:txBody>
@@ -631,7 +647,7 @@
           <a:p>
             <a:fld id="{85141F37-EE6A-49A0-AF4A-1A27AC8B9036}" type="datetimeFigureOut">
               <a:rPr lang="zh-TW" altLang="en-US" smtClean="0"/>
-              <a:t>2018/5/10</a:t>
+              <a:t>2022/1/1</a:t>
             </a:fld>
             <a:endParaRPr lang="zh-TW" altLang="en-US"/>
           </a:p>
@@ -796,7 +812,7 @@
           <a:p>
             <a:fld id="{85141F37-EE6A-49A0-AF4A-1A27AC8B9036}" type="datetimeFigureOut">
               <a:rPr lang="zh-TW" altLang="en-US" smtClean="0"/>
-              <a:t>2018/5/10</a:t>
+              <a:t>2022/1/1</a:t>
             </a:fld>
             <a:endParaRPr lang="zh-TW" altLang="en-US"/>
           </a:p>
@@ -881,8 +897,8 @@
         </p:nvSpPr>
         <p:spPr>
           <a:xfrm>
-            <a:off x="722313" y="4406900"/>
-            <a:ext cx="7772400" cy="1362075"/>
+            <a:off x="963084" y="4406901"/>
+            <a:ext cx="10363200" cy="1362075"/>
           </a:xfrm>
         </p:spPr>
         <p:txBody>
@@ -913,8 +929,8 @@
         </p:nvSpPr>
         <p:spPr>
           <a:xfrm>
-            <a:off x="722313" y="2906713"/>
-            <a:ext cx="7772400" cy="1500187"/>
+            <a:off x="963084" y="2906713"/>
+            <a:ext cx="10363200" cy="1500187"/>
           </a:xfrm>
         </p:spPr>
         <p:txBody>
@@ -1037,7 +1053,7 @@
           <a:p>
             <a:fld id="{85141F37-EE6A-49A0-AF4A-1A27AC8B9036}" type="datetimeFigureOut">
               <a:rPr lang="zh-TW" altLang="en-US" smtClean="0"/>
-              <a:t>2018/5/10</a:t>
+              <a:t>2022/1/1</a:t>
             </a:fld>
             <a:endParaRPr lang="zh-TW" altLang="en-US"/>
           </a:p>
@@ -1145,8 +1161,8 @@
         </p:nvSpPr>
         <p:spPr>
           <a:xfrm>
-            <a:off x="457200" y="1600200"/>
-            <a:ext cx="4038600" cy="4525963"/>
+            <a:off x="609600" y="1600201"/>
+            <a:ext cx="5384800" cy="4525963"/>
           </a:xfrm>
         </p:spPr>
         <p:txBody>
@@ -1230,8 +1246,8 @@
         </p:nvSpPr>
         <p:spPr>
           <a:xfrm>
-            <a:off x="4648200" y="1600200"/>
-            <a:ext cx="4038600" cy="4525963"/>
+            <a:off x="6197600" y="1600201"/>
+            <a:ext cx="5384800" cy="4525963"/>
           </a:xfrm>
         </p:spPr>
         <p:txBody>
@@ -1320,7 +1336,7 @@
           <a:p>
             <a:fld id="{85141F37-EE6A-49A0-AF4A-1A27AC8B9036}" type="datetimeFigureOut">
               <a:rPr lang="zh-TW" altLang="en-US" smtClean="0"/>
-              <a:t>2018/5/10</a:t>
+              <a:t>2022/1/1</a:t>
             </a:fld>
             <a:endParaRPr lang="zh-TW" altLang="en-US"/>
           </a:p>
@@ -1432,8 +1448,8 @@
         </p:nvSpPr>
         <p:spPr>
           <a:xfrm>
-            <a:off x="457200" y="1535113"/>
-            <a:ext cx="4040188" cy="639762"/>
+            <a:off x="609600" y="1535113"/>
+            <a:ext cx="5386917" cy="639762"/>
           </a:xfrm>
         </p:spPr>
         <p:txBody>
@@ -1497,8 +1513,8 @@
         </p:nvSpPr>
         <p:spPr>
           <a:xfrm>
-            <a:off x="457200" y="2174875"/>
-            <a:ext cx="4040188" cy="3951288"/>
+            <a:off x="609600" y="2174875"/>
+            <a:ext cx="5386917" cy="3951288"/>
           </a:xfrm>
         </p:spPr>
         <p:txBody>
@@ -1582,8 +1598,8 @@
         </p:nvSpPr>
         <p:spPr>
           <a:xfrm>
-            <a:off x="4645025" y="1535113"/>
-            <a:ext cx="4041775" cy="639762"/>
+            <a:off x="6193368" y="1535113"/>
+            <a:ext cx="5389033" cy="639762"/>
           </a:xfrm>
         </p:spPr>
         <p:txBody>
@@ -1647,8 +1663,8 @@
         </p:nvSpPr>
         <p:spPr>
           <a:xfrm>
-            <a:off x="4645025" y="2174875"/>
-            <a:ext cx="4041775" cy="3951288"/>
+            <a:off x="6193368" y="2174875"/>
+            <a:ext cx="5389033" cy="3951288"/>
           </a:xfrm>
         </p:spPr>
         <p:txBody>
@@ -1737,7 +1753,7 @@
           <a:p>
             <a:fld id="{85141F37-EE6A-49A0-AF4A-1A27AC8B9036}" type="datetimeFigureOut">
               <a:rPr lang="zh-TW" altLang="en-US" smtClean="0"/>
-              <a:t>2018/5/10</a:t>
+              <a:t>2022/1/1</a:t>
             </a:fld>
             <a:endParaRPr lang="zh-TW" altLang="en-US"/>
           </a:p>
@@ -1850,7 +1866,7 @@
           <a:p>
             <a:fld id="{85141F37-EE6A-49A0-AF4A-1A27AC8B9036}" type="datetimeFigureOut">
               <a:rPr lang="zh-TW" altLang="en-US" smtClean="0"/>
-              <a:t>2018/5/10</a:t>
+              <a:t>2022/1/1</a:t>
             </a:fld>
             <a:endParaRPr lang="zh-TW" altLang="en-US"/>
           </a:p>
@@ -1940,7 +1956,7 @@
           <a:p>
             <a:fld id="{85141F37-EE6A-49A0-AF4A-1A27AC8B9036}" type="datetimeFigureOut">
               <a:rPr lang="zh-TW" altLang="en-US" smtClean="0"/>
-              <a:t>2018/5/10</a:t>
+              <a:t>2022/1/1</a:t>
             </a:fld>
             <a:endParaRPr lang="zh-TW" altLang="en-US"/>
           </a:p>
@@ -2025,8 +2041,8 @@
         </p:nvSpPr>
         <p:spPr>
           <a:xfrm>
-            <a:off x="457200" y="273050"/>
-            <a:ext cx="3008313" cy="1162050"/>
+            <a:off x="609601" y="273050"/>
+            <a:ext cx="4011084" cy="1162050"/>
           </a:xfrm>
         </p:spPr>
         <p:txBody>
@@ -2057,8 +2073,8 @@
         </p:nvSpPr>
         <p:spPr>
           <a:xfrm>
-            <a:off x="3575050" y="273050"/>
-            <a:ext cx="5111750" cy="5853113"/>
+            <a:off x="4766733" y="273051"/>
+            <a:ext cx="6815667" cy="5853113"/>
           </a:xfrm>
         </p:spPr>
         <p:txBody>
@@ -2142,8 +2158,8 @@
         </p:nvSpPr>
         <p:spPr>
           <a:xfrm>
-            <a:off x="457200" y="1435100"/>
-            <a:ext cx="3008313" cy="4691063"/>
+            <a:off x="609601" y="1435101"/>
+            <a:ext cx="4011084" cy="4691063"/>
           </a:xfrm>
         </p:spPr>
         <p:txBody>
@@ -2212,7 +2228,7 @@
           <a:p>
             <a:fld id="{85141F37-EE6A-49A0-AF4A-1A27AC8B9036}" type="datetimeFigureOut">
               <a:rPr lang="zh-TW" altLang="en-US" smtClean="0"/>
-              <a:t>2018/5/10</a:t>
+              <a:t>2022/1/1</a:t>
             </a:fld>
             <a:endParaRPr lang="zh-TW" altLang="en-US"/>
           </a:p>
@@ -2297,8 +2313,8 @@
         </p:nvSpPr>
         <p:spPr>
           <a:xfrm>
-            <a:off x="1792288" y="4800600"/>
-            <a:ext cx="5486400" cy="566738"/>
+            <a:off x="2389717" y="4800600"/>
+            <a:ext cx="7315200" cy="566738"/>
           </a:xfrm>
         </p:spPr>
         <p:txBody>
@@ -2329,8 +2345,8 @@
         </p:nvSpPr>
         <p:spPr>
           <a:xfrm>
-            <a:off x="1792288" y="612775"/>
-            <a:ext cx="5486400" cy="4114800"/>
+            <a:off x="2389717" y="612775"/>
+            <a:ext cx="7315200" cy="4114800"/>
           </a:xfrm>
         </p:spPr>
         <p:txBody>
@@ -2390,8 +2406,8 @@
         </p:nvSpPr>
         <p:spPr>
           <a:xfrm>
-            <a:off x="1792288" y="5367338"/>
-            <a:ext cx="5486400" cy="804862"/>
+            <a:off x="2389717" y="5367338"/>
+            <a:ext cx="7315200" cy="804862"/>
           </a:xfrm>
         </p:spPr>
         <p:txBody>
@@ -2460,7 +2476,7 @@
           <a:p>
             <a:fld id="{85141F37-EE6A-49A0-AF4A-1A27AC8B9036}" type="datetimeFigureOut">
               <a:rPr lang="zh-TW" altLang="en-US" smtClean="0"/>
-              <a:t>2018/5/10</a:t>
+              <a:t>2022/1/1</a:t>
             </a:fld>
             <a:endParaRPr lang="zh-TW" altLang="en-US"/>
           </a:p>
@@ -2550,8 +2566,8 @@
         </p:nvSpPr>
         <p:spPr>
           <a:xfrm>
-            <a:off x="457200" y="274638"/>
-            <a:ext cx="8229600" cy="1143000"/>
+            <a:off x="609600" y="274638"/>
+            <a:ext cx="10972800" cy="1143000"/>
           </a:xfrm>
           <a:prstGeom prst="rect">
             <a:avLst/>
@@ -2583,8 +2599,8 @@
         </p:nvSpPr>
         <p:spPr>
           <a:xfrm>
-            <a:off x="457200" y="1600200"/>
-            <a:ext cx="8229600" cy="4525963"/>
+            <a:off x="609600" y="1600201"/>
+            <a:ext cx="10972800" cy="4525963"/>
           </a:xfrm>
           <a:prstGeom prst="rect">
             <a:avLst/>
@@ -2645,8 +2661,8 @@
         </p:nvSpPr>
         <p:spPr>
           <a:xfrm>
-            <a:off x="457200" y="6356350"/>
-            <a:ext cx="2133600" cy="365125"/>
+            <a:off x="609600" y="6356351"/>
+            <a:ext cx="2844800" cy="365125"/>
           </a:xfrm>
           <a:prstGeom prst="rect">
             <a:avLst/>
@@ -2668,7 +2684,7 @@
           <a:p>
             <a:fld id="{85141F37-EE6A-49A0-AF4A-1A27AC8B9036}" type="datetimeFigureOut">
               <a:rPr lang="zh-TW" altLang="en-US" smtClean="0"/>
-              <a:t>2018/5/10</a:t>
+              <a:t>2022/1/1</a:t>
             </a:fld>
             <a:endParaRPr lang="zh-TW" altLang="en-US"/>
           </a:p>
@@ -2686,8 +2702,8 @@
         </p:nvSpPr>
         <p:spPr>
           <a:xfrm>
-            <a:off x="3124200" y="6356350"/>
-            <a:ext cx="2895600" cy="365125"/>
+            <a:off x="4165600" y="6356351"/>
+            <a:ext cx="3860800" cy="365125"/>
           </a:xfrm>
           <a:prstGeom prst="rect">
             <a:avLst/>
@@ -2723,8 +2739,8 @@
         </p:nvSpPr>
         <p:spPr>
           <a:xfrm>
-            <a:off x="6553200" y="6356350"/>
-            <a:ext cx="2133600" cy="365125"/>
+            <a:off x="8737600" y="6356351"/>
+            <a:ext cx="2844800" cy="365125"/>
           </a:xfrm>
           <a:prstGeom prst="rect">
             <a:avLst/>
@@ -3056,7 +3072,7 @@
         <p:spPr bwMode="auto">
           <a:xfrm>
             <a:off x="0" y="0"/>
-            <a:ext cx="9124399" cy="6858000"/>
+            <a:ext cx="12192000" cy="6858000"/>
           </a:xfrm>
           <a:prstGeom prst="rect">
             <a:avLst/>
@@ -3069,7 +3085,7 @@
           <p:cNvPr id="5" name="Title 1">
             <a:extLst>
               <a:ext uri="{FF2B5EF4-FFF2-40B4-BE49-F238E27FC236}">
-                <a16:creationId xmlns="" xmlns:a16="http://schemas.microsoft.com/office/drawing/2014/main" id="{4A6AF4A2-D899-4342-A548-410A8994E188}"/>
+                <a16:creationId xmlns:a16="http://schemas.microsoft.com/office/drawing/2014/main" id="{4A6AF4A2-D899-4342-A548-410A8994E188}"/>
               </a:ext>
             </a:extLst>
           </p:cNvPr>
@@ -3080,7 +3096,7 @@
         </p:nvSpPr>
         <p:spPr>
           <a:xfrm>
-            <a:off x="1873405" y="1598350"/>
+            <a:off x="3925932" y="1593681"/>
             <a:ext cx="3947531" cy="2475571"/>
           </a:xfrm>
           <a:prstGeom prst="rect">
@@ -3093,25 +3109,14 @@
           </a:bodyPr>
           <a:lstStyle/>
           <a:p>
-            <a:pPr marL="0" marR="0" lvl="0" indent="0" algn="ctr" defTabSz="457200" rtl="0" eaLnBrk="1" fontAlgn="auto" latinLnBrk="0" hangingPunct="1">
-              <a:lnSpc>
-                <a:spcPct val="100000"/>
-              </a:lnSpc>
+            <a:pPr algn="ctr" defTabSz="457200">
               <a:spcBef>
                 <a:spcPct val="0"/>
               </a:spcBef>
-              <a:spcAft>
-                <a:spcPts val="0"/>
-              </a:spcAft>
-              <a:buClrTx/>
-              <a:buSzTx/>
-              <a:buFontTx/>
-              <a:buNone/>
-              <a:tabLst/>
               <a:defRPr/>
             </a:pPr>
             <a:r>
-              <a:rPr kumimoji="0" lang="zh-CN" altLang="en-US" sz="8800" b="1" i="0" strike="noStrike" kern="1200" normalizeH="0" baseline="0" noProof="0" dirty="0" smtClean="0">
+              <a:rPr lang="zh-CN" altLang="en-US" sz="8800" b="1" dirty="0">
                 <a:ln w="10541" cmpd="sng">
                   <a:solidFill>
                     <a:schemeClr val="accent1">
@@ -3156,15 +3161,13 @@
                   </a:gsLst>
                   <a:lin ang="5400000"/>
                 </a:gradFill>
-                <a:uLnTx/>
-                <a:uFillTx/>
                 <a:latin typeface="標楷體" pitchFamily="65" charset="-120"/>
                 <a:ea typeface="標楷體" pitchFamily="65" charset="-120"/>
                 <a:cs typeface="+mj-cs"/>
               </a:rPr>
               <a:t>我們的</a:t>
             </a:r>
-            <a:endParaRPr kumimoji="0" lang="en-US" sz="8800" b="1" i="0" strike="noStrike" kern="1200" normalizeH="0" baseline="0" noProof="0" dirty="0">
+            <a:endParaRPr lang="en-US" sz="8800" b="1" dirty="0">
               <a:ln w="10541" cmpd="sng">
                 <a:solidFill>
                   <a:schemeClr val="accent1">
@@ -3209,8 +3212,6 @@
                 </a:gsLst>
                 <a:lin ang="5400000"/>
               </a:gradFill>
-              <a:uLnTx/>
-              <a:uFillTx/>
               <a:latin typeface="標楷體" pitchFamily="65" charset="-120"/>
               <a:ea typeface="標楷體" pitchFamily="65" charset="-120"/>
               <a:cs typeface="+mj-cs"/>
@@ -3235,7 +3236,7 @@
         </p:blipFill>
         <p:spPr bwMode="auto">
           <a:xfrm>
-            <a:off x="312233" y="758283"/>
+            <a:off x="2364760" y="753614"/>
             <a:ext cx="1568607" cy="2367527"/>
           </a:xfrm>
           <a:prstGeom prst="rect">
@@ -3261,7 +3262,7 @@
         </p:blipFill>
         <p:spPr bwMode="auto">
           <a:xfrm>
-            <a:off x="3434035" y="3494046"/>
+            <a:off x="5486561" y="3489376"/>
             <a:ext cx="1284382" cy="1211768"/>
           </a:xfrm>
           <a:prstGeom prst="rect">
@@ -3287,7 +3288,7 @@
         </p:blipFill>
         <p:spPr bwMode="auto">
           <a:xfrm>
-            <a:off x="5627650" y="1417445"/>
+            <a:off x="7680176" y="1412776"/>
             <a:ext cx="1397620" cy="1913053"/>
           </a:xfrm>
           <a:prstGeom prst="rect">
@@ -3313,7 +3314,7 @@
         </p:blipFill>
         <p:spPr bwMode="auto">
           <a:xfrm>
-            <a:off x="3601403" y="3077736"/>
+            <a:off x="5653930" y="3073066"/>
             <a:ext cx="2036351" cy="237892"/>
           </a:xfrm>
           <a:prstGeom prst="rect">
@@ -3332,7 +3333,7 @@
         </p:nvSpPr>
         <p:spPr bwMode="auto">
           <a:xfrm>
-            <a:off x="1752600" y="816114"/>
+            <a:off x="3805126" y="811444"/>
             <a:ext cx="4532010" cy="707886"/>
           </a:xfrm>
           <a:prstGeom prst="rect">
@@ -3356,128 +3357,88 @@
           </a:bodyPr>
           <a:lstStyle/>
           <a:p>
-            <a:pPr marL="0" marR="0" lvl="0" indent="0" algn="ctr" defTabSz="914400" rtl="0" eaLnBrk="1" fontAlgn="base" latinLnBrk="0" hangingPunct="1">
-              <a:lnSpc>
-                <a:spcPct val="100000"/>
-              </a:lnSpc>
+            <a:pPr algn="ctr" fontAlgn="base">
               <a:spcBef>
                 <a:spcPct val="0"/>
               </a:spcBef>
               <a:spcAft>
                 <a:spcPct val="0"/>
               </a:spcAft>
-              <a:buClrTx/>
-              <a:buSzTx/>
-              <a:buFontTx/>
-              <a:buNone/>
-              <a:tabLst/>
             </a:pPr>
             <a:r>
-              <a:rPr kumimoji="1" lang="en-US" altLang="zh-TW" sz="4000" b="1" i="0" u="none" strike="noStrike" cap="none" normalizeH="0" baseline="0" dirty="0" err="1" smtClean="0">
-                <a:ln>
-                  <a:noFill/>
-                </a:ln>
-                <a:solidFill>
-                  <a:srgbClr val="FF0000"/>
-                </a:solidFill>
-                <a:effectLst/>
+              <a:rPr kumimoji="1" lang="en-US" altLang="zh-TW" sz="4000" b="1" dirty="0" err="1">
+                <a:solidFill>
+                  <a:srgbClr val="FF0000"/>
+                </a:solidFill>
                 <a:latin typeface="Times New Roman" pitchFamily="18" charset="0"/>
                 <a:cs typeface="Times New Roman" pitchFamily="18" charset="0"/>
               </a:rPr>
               <a:t>Yêu</a:t>
             </a:r>
             <a:r>
-              <a:rPr kumimoji="1" lang="en-US" altLang="zh-TW" sz="4000" b="1" i="0" u="none" strike="noStrike" cap="none" normalizeH="0" baseline="0" dirty="0" smtClean="0">
-                <a:ln>
-                  <a:noFill/>
-                </a:ln>
-                <a:solidFill>
-                  <a:srgbClr val="FF0000"/>
-                </a:solidFill>
-                <a:effectLst/>
-                <a:latin typeface="Times New Roman" pitchFamily="18" charset="0"/>
-                <a:cs typeface="Times New Roman" pitchFamily="18" charset="0"/>
-              </a:rPr>
-              <a:t> </a:t>
-            </a:r>
-            <a:r>
-              <a:rPr kumimoji="1" lang="en-US" altLang="zh-TW" sz="4000" b="1" i="0" u="none" strike="noStrike" cap="none" normalizeH="0" baseline="0" dirty="0" err="1" smtClean="0">
-                <a:ln>
-                  <a:noFill/>
-                </a:ln>
-                <a:solidFill>
-                  <a:srgbClr val="FF0000"/>
-                </a:solidFill>
-                <a:effectLst/>
+              <a:rPr kumimoji="1" lang="en-US" altLang="zh-TW" sz="4000" b="1" dirty="0">
+                <a:solidFill>
+                  <a:srgbClr val="FF0000"/>
+                </a:solidFill>
+                <a:latin typeface="Times New Roman" pitchFamily="18" charset="0"/>
+                <a:cs typeface="Times New Roman" pitchFamily="18" charset="0"/>
+              </a:rPr>
+              <a:t> </a:t>
+            </a:r>
+            <a:r>
+              <a:rPr kumimoji="1" lang="en-US" altLang="zh-TW" sz="4000" b="1" dirty="0" err="1">
+                <a:solidFill>
+                  <a:srgbClr val="FF0000"/>
+                </a:solidFill>
                 <a:latin typeface="Times New Roman" pitchFamily="18" charset="0"/>
                 <a:cs typeface="Times New Roman" pitchFamily="18" charset="0"/>
               </a:rPr>
               <a:t>Gia</a:t>
             </a:r>
             <a:r>
-              <a:rPr kumimoji="1" lang="en-US" altLang="zh-TW" sz="4000" b="1" i="0" u="none" strike="noStrike" cap="none" normalizeH="0" baseline="0" dirty="0" smtClean="0">
-                <a:ln>
-                  <a:noFill/>
-                </a:ln>
-                <a:solidFill>
-                  <a:srgbClr val="FF0000"/>
-                </a:solidFill>
-                <a:effectLst/>
-                <a:latin typeface="Times New Roman" pitchFamily="18" charset="0"/>
-                <a:cs typeface="Times New Roman" pitchFamily="18" charset="0"/>
-              </a:rPr>
-              <a:t> </a:t>
-            </a:r>
-            <a:r>
-              <a:rPr kumimoji="1" lang="en-US" altLang="zh-TW" sz="4000" b="1" i="0" u="none" strike="noStrike" cap="none" normalizeH="0" baseline="0" dirty="0" err="1" smtClean="0">
-                <a:ln>
-                  <a:noFill/>
-                </a:ln>
-                <a:solidFill>
-                  <a:srgbClr val="FF0000"/>
-                </a:solidFill>
-                <a:effectLst/>
+              <a:rPr kumimoji="1" lang="en-US" altLang="zh-TW" sz="4000" b="1" dirty="0">
+                <a:solidFill>
+                  <a:srgbClr val="FF0000"/>
+                </a:solidFill>
+                <a:latin typeface="Times New Roman" pitchFamily="18" charset="0"/>
+                <a:cs typeface="Times New Roman" pitchFamily="18" charset="0"/>
+              </a:rPr>
+              <a:t> </a:t>
+            </a:r>
+            <a:r>
+              <a:rPr kumimoji="1" lang="en-US" altLang="zh-TW" sz="4000" b="1" dirty="0" err="1">
+                <a:solidFill>
+                  <a:srgbClr val="FF0000"/>
+                </a:solidFill>
                 <a:latin typeface="Times New Roman" pitchFamily="18" charset="0"/>
                 <a:cs typeface="Times New Roman" pitchFamily="18" charset="0"/>
               </a:rPr>
               <a:t>Đình</a:t>
             </a:r>
             <a:r>
-              <a:rPr kumimoji="1" lang="en-US" altLang="zh-TW" sz="4000" b="1" i="0" u="none" strike="noStrike" cap="none" normalizeH="0" baseline="0" dirty="0" smtClean="0">
-                <a:ln>
-                  <a:noFill/>
-                </a:ln>
-                <a:solidFill>
-                  <a:srgbClr val="FF0000"/>
-                </a:solidFill>
-                <a:effectLst/>
-                <a:latin typeface="Times New Roman" pitchFamily="18" charset="0"/>
-                <a:cs typeface="Times New Roman" pitchFamily="18" charset="0"/>
-              </a:rPr>
-              <a:t> </a:t>
-            </a:r>
-            <a:r>
-              <a:rPr kumimoji="1" lang="en-US" altLang="zh-TW" sz="4000" b="1" i="0" u="none" strike="noStrike" cap="none" normalizeH="0" baseline="0" dirty="0" err="1" smtClean="0">
-                <a:ln>
-                  <a:noFill/>
-                </a:ln>
-                <a:solidFill>
-                  <a:srgbClr val="FF0000"/>
-                </a:solidFill>
-                <a:effectLst/>
+              <a:rPr kumimoji="1" lang="en-US" altLang="zh-TW" sz="4000" b="1" dirty="0">
+                <a:solidFill>
+                  <a:srgbClr val="FF0000"/>
+                </a:solidFill>
+                <a:latin typeface="Times New Roman" pitchFamily="18" charset="0"/>
+                <a:cs typeface="Times New Roman" pitchFamily="18" charset="0"/>
+              </a:rPr>
+              <a:t> </a:t>
+            </a:r>
+            <a:r>
+              <a:rPr kumimoji="1" lang="en-US" altLang="zh-TW" sz="4000" b="1" dirty="0" err="1">
+                <a:solidFill>
+                  <a:srgbClr val="FF0000"/>
+                </a:solidFill>
                 <a:latin typeface="Times New Roman" pitchFamily="18" charset="0"/>
                 <a:cs typeface="Times New Roman" pitchFamily="18" charset="0"/>
               </a:rPr>
               <a:t>Mình</a:t>
             </a:r>
-            <a:endParaRPr kumimoji="1" lang="en-US" altLang="zh-TW" sz="4400" b="1" i="0" u="none" strike="noStrike" cap="none" normalizeH="0" baseline="0" dirty="0" smtClean="0">
-              <a:ln>
-                <a:noFill/>
-              </a:ln>
+            <a:endParaRPr kumimoji="1" lang="en-US" altLang="zh-TW" sz="4400" b="1" dirty="0">
               <a:solidFill>
                 <a:srgbClr val="FF0000"/>
               </a:solidFill>
-              <a:effectLst/>
               <a:latin typeface="Times New Roman" pitchFamily="18" charset="0"/>
               <a:cs typeface="Times New Roman" pitchFamily="18" charset="0"/>
             </a:endParaRPr>
@@ -3534,7 +3495,7 @@
         <p:spPr bwMode="auto">
           <a:xfrm>
             <a:off x="0" y="0"/>
-            <a:ext cx="9144000" cy="6858002"/>
+            <a:ext cx="12192000" cy="6858002"/>
           </a:xfrm>
           <a:prstGeom prst="rect">
             <a:avLst/>
@@ -3554,8 +3515,8 @@
         </p:nvSpPr>
         <p:spPr>
           <a:xfrm>
-            <a:off x="0" y="914400"/>
-            <a:ext cx="9144000" cy="5029200"/>
+            <a:off x="1524000" y="1196752"/>
+            <a:ext cx="9144000" cy="4392488"/>
           </a:xfrm>
         </p:spPr>
         <p:txBody>
@@ -3568,7 +3529,7 @@
               <a:buNone/>
             </a:pPr>
             <a:r>
-              <a:rPr lang="zh-TW" altLang="en-US" sz="6000" b="1" dirty="0" smtClean="0">
+              <a:rPr lang="zh-TW" altLang="en-US" sz="6000" b="1" dirty="0">
                 <a:solidFill>
                   <a:srgbClr val="C00000"/>
                 </a:solidFill>
@@ -3578,7 +3539,7 @@
               <a:t>每個人愛</a:t>
             </a:r>
             <a:r>
-              <a:rPr lang="zh-CN" altLang="en-US" sz="6000" b="1" dirty="0" smtClean="0">
+              <a:rPr lang="zh-CN" altLang="en-US" sz="6000" b="1" dirty="0">
                 <a:solidFill>
                   <a:srgbClr val="C00000"/>
                 </a:solidFill>
@@ -3588,7 +3549,7 @@
               <a:t>它</a:t>
             </a:r>
             <a:r>
-              <a:rPr lang="zh-TW" altLang="en-US" sz="6000" b="1" dirty="0" smtClean="0">
+              <a:rPr lang="zh-TW" altLang="en-US" sz="6000" b="1" dirty="0">
                 <a:solidFill>
                   <a:srgbClr val="C00000"/>
                 </a:solidFill>
@@ -3597,7 +3558,7 @@
               </a:rPr>
               <a:t>家就有光彩</a:t>
             </a:r>
-            <a:endParaRPr lang="en-US" altLang="zh-TW" sz="6000" b="1" dirty="0" smtClean="0">
+            <a:endParaRPr lang="en-US" altLang="zh-TW" sz="6000" b="1" dirty="0">
               <a:solidFill>
                 <a:srgbClr val="C00000"/>
               </a:solidFill>
@@ -3610,7 +3571,7 @@
               <a:buNone/>
             </a:pPr>
             <a:r>
-              <a:rPr lang="en-US" sz="3600" b="1" dirty="0" err="1">
+              <a:rPr lang="en-US" sz="3600" b="1" dirty="0" err="1" smtClean="0">
                 <a:solidFill>
                   <a:srgbClr val="C00000"/>
                 </a:solidFill>
@@ -3618,15 +3579,15 @@
               <a:t>Nếu</a:t>
             </a:r>
             <a:r>
-              <a:rPr lang="en-US" sz="3600" b="1" dirty="0">
-                <a:solidFill>
-                  <a:srgbClr val="C00000"/>
-                </a:solidFill>
-              </a:rPr>
-              <a:t> </a:t>
-            </a:r>
-            <a:r>
-              <a:rPr lang="en-US" sz="3600" b="1" dirty="0" err="1">
+              <a:rPr lang="en-US" sz="3600" b="1" dirty="0" smtClean="0">
+                <a:solidFill>
+                  <a:srgbClr val="C00000"/>
+                </a:solidFill>
+              </a:rPr>
+              <a:t> </a:t>
+            </a:r>
+            <a:r>
+              <a:rPr lang="en-US" sz="3600" b="1" dirty="0" err="1" smtClean="0">
                 <a:solidFill>
                   <a:srgbClr val="C00000"/>
                 </a:solidFill>
@@ -3634,15 +3595,15 @@
               <a:t>mọi</a:t>
             </a:r>
             <a:r>
-              <a:rPr lang="en-US" sz="3600" b="1" dirty="0">
-                <a:solidFill>
-                  <a:srgbClr val="C00000"/>
-                </a:solidFill>
-              </a:rPr>
-              <a:t> </a:t>
-            </a:r>
-            <a:r>
-              <a:rPr lang="en-US" sz="3600" b="1" dirty="0" err="1">
+              <a:rPr lang="en-US" sz="3600" b="1" dirty="0" smtClean="0">
+                <a:solidFill>
+                  <a:srgbClr val="C00000"/>
+                </a:solidFill>
+              </a:rPr>
+              <a:t> </a:t>
+            </a:r>
+            <a:r>
+              <a:rPr lang="en-US" sz="3600" b="1" dirty="0" err="1" smtClean="0">
                 <a:solidFill>
                   <a:srgbClr val="C00000"/>
                 </a:solidFill>
@@ -3650,15 +3611,15 @@
               <a:t>người</a:t>
             </a:r>
             <a:r>
-              <a:rPr lang="en-US" sz="3600" b="1" dirty="0">
-                <a:solidFill>
-                  <a:srgbClr val="C00000"/>
-                </a:solidFill>
-              </a:rPr>
-              <a:t> </a:t>
-            </a:r>
-            <a:r>
-              <a:rPr lang="en-US" sz="3600" b="1" dirty="0" err="1">
+              <a:rPr lang="en-US" sz="3600" b="1" dirty="0" smtClean="0">
+                <a:solidFill>
+                  <a:srgbClr val="C00000"/>
+                </a:solidFill>
+              </a:rPr>
+              <a:t> </a:t>
+            </a:r>
+            <a:r>
+              <a:rPr lang="en-US" sz="3600" b="1" dirty="0" err="1" smtClean="0">
                 <a:solidFill>
                   <a:srgbClr val="C00000"/>
                 </a:solidFill>
@@ -3666,15 +3627,15 @@
               <a:t>đều</a:t>
             </a:r>
             <a:r>
-              <a:rPr lang="en-US" sz="3600" b="1" dirty="0">
-                <a:solidFill>
-                  <a:srgbClr val="C00000"/>
-                </a:solidFill>
-              </a:rPr>
-              <a:t> </a:t>
-            </a:r>
-            <a:r>
-              <a:rPr lang="en-US" sz="3600" b="1" dirty="0" err="1">
+              <a:rPr lang="en-US" sz="3600" b="1" dirty="0" smtClean="0">
+                <a:solidFill>
+                  <a:srgbClr val="C00000"/>
+                </a:solidFill>
+              </a:rPr>
+              <a:t> </a:t>
+            </a:r>
+            <a:r>
+              <a:rPr lang="en-US" sz="3600" b="1" dirty="0" err="1" smtClean="0">
                 <a:solidFill>
                   <a:srgbClr val="C00000"/>
                 </a:solidFill>
@@ -3682,15 +3643,15 @@
               <a:t>yêu</a:t>
             </a:r>
             <a:r>
-              <a:rPr lang="en-US" sz="3600" b="1" dirty="0">
-                <a:solidFill>
-                  <a:srgbClr val="C00000"/>
-                </a:solidFill>
-              </a:rPr>
-              <a:t> </a:t>
-            </a:r>
-            <a:r>
-              <a:rPr lang="en-US" sz="3600" b="1" dirty="0" err="1">
+              <a:rPr lang="en-US" sz="3600" b="1" dirty="0" smtClean="0">
+                <a:solidFill>
+                  <a:srgbClr val="C00000"/>
+                </a:solidFill>
+              </a:rPr>
+              <a:t> </a:t>
+            </a:r>
+            <a:r>
+              <a:rPr lang="en-US" sz="3600" b="1" dirty="0" err="1" smtClean="0">
                 <a:solidFill>
                   <a:srgbClr val="C00000"/>
                 </a:solidFill>
@@ -3698,7 +3659,7 @@
               <a:t>thương</a:t>
             </a:r>
             <a:r>
-              <a:rPr lang="en-US" sz="3600" b="1" dirty="0">
+              <a:rPr lang="en-US" sz="3600" b="1" dirty="0" smtClean="0">
                 <a:solidFill>
                   <a:srgbClr val="C00000"/>
                 </a:solidFill>
@@ -3740,7 +3701,7 @@
               <a:t> </a:t>
             </a:r>
             <a:r>
-              <a:rPr lang="en-US" sz="3600" b="1" dirty="0" err="1">
+              <a:rPr lang="en-US" sz="3600" b="1" dirty="0" err="1" smtClean="0">
                 <a:solidFill>
                   <a:srgbClr val="C00000"/>
                 </a:solidFill>
@@ -3748,15 +3709,15 @@
               <a:t>đình</a:t>
             </a:r>
             <a:r>
-              <a:rPr lang="en-US" sz="3600" b="1" dirty="0">
-                <a:solidFill>
-                  <a:srgbClr val="C00000"/>
-                </a:solidFill>
-              </a:rPr>
-              <a:t> </a:t>
-            </a:r>
-            <a:r>
-              <a:rPr lang="en-US" sz="3600" b="1" dirty="0" err="1">
+              <a:rPr lang="en-US" sz="3600" b="1" dirty="0" smtClean="0">
+                <a:solidFill>
+                  <a:srgbClr val="C00000"/>
+                </a:solidFill>
+              </a:rPr>
+              <a:t> </a:t>
+            </a:r>
+            <a:r>
+              <a:rPr lang="en-US" sz="3600" b="1" dirty="0" err="1" smtClean="0">
                 <a:solidFill>
                   <a:srgbClr val="C00000"/>
                 </a:solidFill>
@@ -3764,15 +3725,15 @@
               <a:t>sẽ</a:t>
             </a:r>
             <a:r>
-              <a:rPr lang="en-US" sz="3600" b="1" dirty="0">
-                <a:solidFill>
-                  <a:srgbClr val="C00000"/>
-                </a:solidFill>
-              </a:rPr>
-              <a:t> </a:t>
-            </a:r>
-            <a:r>
-              <a:rPr lang="en-US" sz="3600" b="1" dirty="0" err="1">
+              <a:rPr lang="en-US" sz="3600" b="1" dirty="0" smtClean="0">
+                <a:solidFill>
+                  <a:srgbClr val="C00000"/>
+                </a:solidFill>
+              </a:rPr>
+              <a:t> </a:t>
+            </a:r>
+            <a:r>
+              <a:rPr lang="en-US" sz="3600" b="1" dirty="0" err="1" smtClean="0">
                 <a:solidFill>
                   <a:srgbClr val="C00000"/>
                 </a:solidFill>
@@ -3780,15 +3741,15 @@
               <a:t>tràn</a:t>
             </a:r>
             <a:r>
-              <a:rPr lang="en-US" sz="3600" b="1" dirty="0">
-                <a:solidFill>
-                  <a:srgbClr val="C00000"/>
-                </a:solidFill>
-              </a:rPr>
-              <a:t> </a:t>
-            </a:r>
-            <a:r>
-              <a:rPr lang="en-US" sz="3600" b="1" dirty="0" err="1">
+              <a:rPr lang="en-US" sz="3600" b="1" dirty="0" smtClean="0">
+                <a:solidFill>
+                  <a:srgbClr val="C00000"/>
+                </a:solidFill>
+              </a:rPr>
+              <a:t> </a:t>
+            </a:r>
+            <a:r>
+              <a:rPr lang="en-US" sz="3600" b="1" dirty="0" err="1" smtClean="0">
                 <a:solidFill>
                   <a:srgbClr val="C00000"/>
                 </a:solidFill>
@@ -3796,15 +3757,15 @@
               <a:t>đây</a:t>
             </a:r>
             <a:r>
-              <a:rPr lang="en-US" sz="3600" b="1" dirty="0">
-                <a:solidFill>
-                  <a:srgbClr val="C00000"/>
-                </a:solidFill>
-              </a:rPr>
-              <a:t> </a:t>
-            </a:r>
-            <a:r>
-              <a:rPr lang="en-US" sz="3600" b="1" dirty="0" err="1">
+              <a:rPr lang="en-US" sz="3600" b="1" dirty="0" smtClean="0">
+                <a:solidFill>
+                  <a:srgbClr val="C00000"/>
+                </a:solidFill>
+              </a:rPr>
+              <a:t> </a:t>
+            </a:r>
+            <a:r>
+              <a:rPr lang="en-US" sz="3600" b="1" dirty="0" err="1" smtClean="0">
                 <a:solidFill>
                   <a:srgbClr val="C00000"/>
                 </a:solidFill>
@@ -3812,7 +3773,7 @@
               <a:t>nắng</a:t>
             </a:r>
             <a:r>
-              <a:rPr lang="en-US" sz="3600" b="1" dirty="0">
+              <a:rPr lang="en-US" sz="3600" b="1" dirty="0" smtClean="0">
                 <a:solidFill>
                   <a:srgbClr val="C00000"/>
                 </a:solidFill>
@@ -3848,6 +3809,16 @@
               <a:t>每</a:t>
             </a:r>
             <a:r>
+              <a:rPr lang="zh-TW" altLang="en-US" sz="6000" b="1" dirty="0">
+                <a:solidFill>
+                  <a:srgbClr val="C00000"/>
+                </a:solidFill>
+                <a:latin typeface="標楷體" pitchFamily="65" charset="-120"/>
+                <a:ea typeface="標楷體" pitchFamily="65" charset="-120"/>
+              </a:rPr>
+              <a:t>個人付出家就不孤</a:t>
+            </a:r>
+            <a:r>
               <a:rPr lang="zh-TW" altLang="en-US" sz="6000" b="1" dirty="0" smtClean="0">
                 <a:solidFill>
                   <a:srgbClr val="C00000"/>
@@ -3855,22 +3826,15 @@
                 <a:latin typeface="標楷體" pitchFamily="65" charset="-120"/>
                 <a:ea typeface="標楷體" pitchFamily="65" charset="-120"/>
               </a:rPr>
-              <a:t>個人付出家就不孤獨</a:t>
-            </a:r>
-            <a:endParaRPr lang="en-US" altLang="zh-TW" sz="6000" b="1" dirty="0" smtClean="0">
-              <a:solidFill>
-                <a:srgbClr val="C00000"/>
-              </a:solidFill>
-              <a:latin typeface="標楷體" pitchFamily="65" charset="-120"/>
-              <a:ea typeface="標楷體" pitchFamily="65" charset="-120"/>
-            </a:endParaRPr>
+              <a:t>獨</a:t>
+            </a:r>
           </a:p>
           <a:p>
             <a:pPr marL="0" indent="0" algn="ctr">
               <a:buNone/>
             </a:pPr>
             <a:r>
-              <a:rPr lang="en-US" sz="4000" b="1" dirty="0" err="1">
+              <a:rPr lang="en-US" sz="3600" b="1" dirty="0" err="1" smtClean="0">
                 <a:solidFill>
                   <a:srgbClr val="C00000"/>
                 </a:solidFill>
@@ -3878,15 +3842,15 @@
               <a:t>Nếu</a:t>
             </a:r>
             <a:r>
-              <a:rPr lang="en-US" sz="4000" b="1" dirty="0">
-                <a:solidFill>
-                  <a:srgbClr val="C00000"/>
-                </a:solidFill>
-              </a:rPr>
-              <a:t> </a:t>
-            </a:r>
-            <a:r>
-              <a:rPr lang="en-US" sz="4000" b="1" dirty="0" err="1">
+              <a:rPr lang="en-US" sz="3600" b="1" dirty="0" smtClean="0">
+                <a:solidFill>
+                  <a:srgbClr val="C00000"/>
+                </a:solidFill>
+              </a:rPr>
+              <a:t> </a:t>
+            </a:r>
+            <a:r>
+              <a:rPr lang="en-US" sz="3600" b="1" dirty="0" err="1" smtClean="0">
                 <a:solidFill>
                   <a:srgbClr val="C00000"/>
                 </a:solidFill>
@@ -3894,15 +3858,15 @@
               <a:t>mọi</a:t>
             </a:r>
             <a:r>
-              <a:rPr lang="en-US" sz="4000" b="1" dirty="0">
-                <a:solidFill>
-                  <a:srgbClr val="C00000"/>
-                </a:solidFill>
-              </a:rPr>
-              <a:t> </a:t>
-            </a:r>
-            <a:r>
-              <a:rPr lang="en-US" sz="4000" b="1" dirty="0" err="1">
+              <a:rPr lang="en-US" sz="3600" b="1" dirty="0" smtClean="0">
+                <a:solidFill>
+                  <a:srgbClr val="C00000"/>
+                </a:solidFill>
+              </a:rPr>
+              <a:t> </a:t>
+            </a:r>
+            <a:r>
+              <a:rPr lang="en-US" sz="3600" b="1" dirty="0" err="1" smtClean="0">
                 <a:solidFill>
                   <a:srgbClr val="C00000"/>
                 </a:solidFill>
@@ -3910,15 +3874,15 @@
               <a:t>người</a:t>
             </a:r>
             <a:r>
-              <a:rPr lang="en-US" sz="4000" b="1" dirty="0">
-                <a:solidFill>
-                  <a:srgbClr val="C00000"/>
-                </a:solidFill>
-              </a:rPr>
-              <a:t> </a:t>
-            </a:r>
-            <a:r>
-              <a:rPr lang="en-US" sz="4000" b="1" dirty="0" err="1">
+              <a:rPr lang="en-US" sz="3600" b="1" dirty="0" smtClean="0">
+                <a:solidFill>
+                  <a:srgbClr val="C00000"/>
+                </a:solidFill>
+              </a:rPr>
+              <a:t> </a:t>
+            </a:r>
+            <a:r>
+              <a:rPr lang="en-US" sz="3600" b="1" dirty="0" err="1" smtClean="0">
                 <a:solidFill>
                   <a:srgbClr val="C00000"/>
                 </a:solidFill>
@@ -3926,15 +3890,15 @@
               <a:t>đều</a:t>
             </a:r>
             <a:r>
-              <a:rPr lang="en-US" sz="4000" b="1" dirty="0">
-                <a:solidFill>
-                  <a:srgbClr val="C00000"/>
-                </a:solidFill>
-              </a:rPr>
-              <a:t> </a:t>
-            </a:r>
-            <a:r>
-              <a:rPr lang="en-US" sz="4000" b="1" dirty="0" err="1">
+              <a:rPr lang="en-US" sz="3600" b="1" dirty="0" smtClean="0">
+                <a:solidFill>
+                  <a:srgbClr val="C00000"/>
+                </a:solidFill>
+              </a:rPr>
+              <a:t> </a:t>
+            </a:r>
+            <a:r>
+              <a:rPr lang="en-US" sz="3600" b="1" dirty="0" err="1" smtClean="0">
                 <a:solidFill>
                   <a:srgbClr val="C00000"/>
                 </a:solidFill>
@@ -3942,38 +3906,22 @@
               <a:t>biết</a:t>
             </a:r>
             <a:r>
-              <a:rPr lang="en-US" sz="4000" b="1" dirty="0">
-                <a:solidFill>
-                  <a:srgbClr val="C00000"/>
-                </a:solidFill>
-              </a:rPr>
-              <a:t> </a:t>
-            </a:r>
-            <a:r>
-              <a:rPr lang="en-US" sz="4000" b="1" dirty="0" err="1">
-                <a:solidFill>
-                  <a:srgbClr val="C00000"/>
-                </a:solidFill>
-              </a:rPr>
-              <a:t>chia</a:t>
-            </a:r>
-            <a:r>
-              <a:rPr lang="en-US" sz="4000" b="1" dirty="0">
-                <a:solidFill>
-                  <a:srgbClr val="C00000"/>
-                </a:solidFill>
-              </a:rPr>
-              <a:t> </a:t>
-            </a:r>
-            <a:r>
-              <a:rPr lang="en-US" sz="4000" b="1" dirty="0" err="1" smtClean="0">
+              <a:rPr lang="en-US" sz="3600" b="1" dirty="0" smtClean="0">
+                <a:solidFill>
+                  <a:srgbClr val="C00000"/>
+                </a:solidFill>
+              </a:rPr>
+              <a:t> chia </a:t>
+            </a:r>
+            <a:r>
+              <a:rPr lang="en-US" sz="3600" b="1" dirty="0" err="1" smtClean="0">
                 <a:solidFill>
                   <a:srgbClr val="C00000"/>
                 </a:solidFill>
               </a:rPr>
               <a:t>sẽ</a:t>
             </a:r>
-            <a:endParaRPr lang="en-US" sz="4000" b="1" dirty="0" smtClean="0">
+            <a:endParaRPr lang="en-US" sz="3600" b="1" dirty="0" smtClean="0">
               <a:solidFill>
                 <a:srgbClr val="C00000"/>
               </a:solidFill>
@@ -3984,7 +3932,7 @@
               <a:buNone/>
             </a:pPr>
             <a:r>
-              <a:rPr lang="en-US" sz="4000" b="1" dirty="0" err="1" smtClean="0">
+              <a:rPr lang="en-US" sz="3600" b="1" dirty="0" err="1" smtClean="0">
                 <a:solidFill>
                   <a:srgbClr val="C00000"/>
                 </a:solidFill>
@@ -3992,15 +3940,15 @@
               <a:t>gia</a:t>
             </a:r>
             <a:r>
-              <a:rPr lang="en-US" sz="4000" b="1" dirty="0" smtClean="0">
-                <a:solidFill>
-                  <a:srgbClr val="C00000"/>
-                </a:solidFill>
-              </a:rPr>
-              <a:t> </a:t>
-            </a:r>
-            <a:r>
-              <a:rPr lang="en-US" sz="4000" b="1" dirty="0" err="1">
+              <a:rPr lang="en-US" sz="3600" b="1" dirty="0" smtClean="0">
+                <a:solidFill>
+                  <a:srgbClr val="C00000"/>
+                </a:solidFill>
+              </a:rPr>
+              <a:t> </a:t>
+            </a:r>
+            <a:r>
+              <a:rPr lang="en-US" sz="3600" b="1" dirty="0" err="1" smtClean="0">
                 <a:solidFill>
                   <a:srgbClr val="C00000"/>
                 </a:solidFill>
@@ -4008,15 +3956,15 @@
               <a:t>đình</a:t>
             </a:r>
             <a:r>
-              <a:rPr lang="en-US" sz="4000" b="1" dirty="0">
-                <a:solidFill>
-                  <a:srgbClr val="C00000"/>
-                </a:solidFill>
-              </a:rPr>
-              <a:t> </a:t>
-            </a:r>
-            <a:r>
-              <a:rPr lang="en-US" sz="4000" b="1" dirty="0" err="1">
+              <a:rPr lang="en-US" sz="3600" b="1" dirty="0" smtClean="0">
+                <a:solidFill>
+                  <a:srgbClr val="C00000"/>
+                </a:solidFill>
+              </a:rPr>
+              <a:t> </a:t>
+            </a:r>
+            <a:r>
+              <a:rPr lang="en-US" sz="3600" b="1" dirty="0" err="1" smtClean="0">
                 <a:solidFill>
                   <a:srgbClr val="C00000"/>
                 </a:solidFill>
@@ -4024,15 +3972,15 @@
               <a:t>sẽ</a:t>
             </a:r>
             <a:r>
-              <a:rPr lang="en-US" sz="4000" b="1" dirty="0">
-                <a:solidFill>
-                  <a:srgbClr val="C00000"/>
-                </a:solidFill>
-              </a:rPr>
-              <a:t> </a:t>
-            </a:r>
-            <a:r>
-              <a:rPr lang="en-US" sz="4000" b="1" dirty="0" err="1">
+              <a:rPr lang="en-US" sz="3600" b="1" dirty="0" smtClean="0">
+                <a:solidFill>
+                  <a:srgbClr val="C00000"/>
+                </a:solidFill>
+              </a:rPr>
+              <a:t> </a:t>
+            </a:r>
+            <a:r>
+              <a:rPr lang="en-US" sz="3600" b="1" dirty="0" err="1" smtClean="0">
                 <a:solidFill>
                   <a:srgbClr val="C00000"/>
                 </a:solidFill>
@@ -4040,15 +3988,15 @@
               <a:t>không</a:t>
             </a:r>
             <a:r>
-              <a:rPr lang="en-US" sz="4000" b="1" dirty="0">
-                <a:solidFill>
-                  <a:srgbClr val="C00000"/>
-                </a:solidFill>
-              </a:rPr>
-              <a:t> </a:t>
-            </a:r>
-            <a:r>
-              <a:rPr lang="en-US" sz="4000" b="1" dirty="0" err="1">
+              <a:rPr lang="en-US" sz="3600" b="1" dirty="0" smtClean="0">
+                <a:solidFill>
+                  <a:srgbClr val="C00000"/>
+                </a:solidFill>
+              </a:rPr>
+              <a:t> </a:t>
+            </a:r>
+            <a:r>
+              <a:rPr lang="en-US" sz="3600" b="1" dirty="0" err="1" smtClean="0">
                 <a:solidFill>
                   <a:srgbClr val="C00000"/>
                 </a:solidFill>
@@ -4056,15 +4004,15 @@
               <a:t>bao</a:t>
             </a:r>
             <a:r>
-              <a:rPr lang="en-US" sz="4000" b="1" dirty="0">
-                <a:solidFill>
-                  <a:srgbClr val="C00000"/>
-                </a:solidFill>
-              </a:rPr>
-              <a:t> </a:t>
-            </a:r>
-            <a:r>
-              <a:rPr lang="en-US" sz="4000" b="1" dirty="0" err="1">
+              <a:rPr lang="en-US" sz="3600" b="1" dirty="0" smtClean="0">
+                <a:solidFill>
+                  <a:srgbClr val="C00000"/>
+                </a:solidFill>
+              </a:rPr>
+              <a:t> </a:t>
+            </a:r>
+            <a:r>
+              <a:rPr lang="en-US" sz="3600" b="1" dirty="0" err="1" smtClean="0">
                 <a:solidFill>
                   <a:srgbClr val="C00000"/>
                 </a:solidFill>
@@ -4072,15 +4020,15 @@
               <a:t>giờ</a:t>
             </a:r>
             <a:r>
-              <a:rPr lang="en-US" sz="4000" b="1" dirty="0">
-                <a:solidFill>
-                  <a:srgbClr val="C00000"/>
-                </a:solidFill>
-              </a:rPr>
-              <a:t> </a:t>
-            </a:r>
-            <a:r>
-              <a:rPr lang="en-US" sz="4000" b="1" dirty="0" err="1">
+              <a:rPr lang="en-US" sz="3600" b="1" dirty="0" smtClean="0">
+                <a:solidFill>
+                  <a:srgbClr val="C00000"/>
+                </a:solidFill>
+              </a:rPr>
+              <a:t> </a:t>
+            </a:r>
+            <a:r>
+              <a:rPr lang="en-US" sz="3600" b="1" dirty="0" err="1" smtClean="0">
                 <a:solidFill>
                   <a:srgbClr val="C00000"/>
                 </a:solidFill>
@@ -4088,27 +4036,25 @@
               <a:t>cô</a:t>
             </a:r>
             <a:r>
-              <a:rPr lang="en-US" sz="4000" b="1" dirty="0">
-                <a:solidFill>
-                  <a:srgbClr val="C00000"/>
-                </a:solidFill>
-              </a:rPr>
-              <a:t> </a:t>
-            </a:r>
-            <a:r>
-              <a:rPr lang="en-US" sz="4000" b="1" dirty="0" err="1">
-                <a:solidFill>
-                  <a:srgbClr val="C00000"/>
-                </a:solidFill>
-              </a:rPr>
-              <a:t>đọc</a:t>
-            </a:r>
-            <a:endParaRPr lang="zh-TW" altLang="en-US" sz="4000" b="1" dirty="0" smtClean="0">
+              <a:rPr lang="en-US" sz="3600" b="1" dirty="0" smtClean="0">
+                <a:solidFill>
+                  <a:srgbClr val="C00000"/>
+                </a:solidFill>
+              </a:rPr>
+              <a:t> </a:t>
+            </a:r>
+            <a:r>
+              <a:rPr lang="en-US" sz="3600" b="1" dirty="0" err="1" smtClean="0">
+                <a:solidFill>
+                  <a:srgbClr val="C00000"/>
+                </a:solidFill>
+              </a:rPr>
+              <a:t>độc</a:t>
+            </a:r>
+            <a:endParaRPr lang="zh-TW" altLang="en-US" sz="3600" b="1" dirty="0">
               <a:solidFill>
                 <a:srgbClr val="C00000"/>
               </a:solidFill>
-              <a:latin typeface="標楷體" pitchFamily="65" charset="-120"/>
-              <a:ea typeface="標楷體" pitchFamily="65" charset="-120"/>
             </a:endParaRPr>
           </a:p>
         </p:txBody>
@@ -4163,7 +4109,7 @@
         <p:spPr bwMode="auto">
           <a:xfrm>
             <a:off x="0" y="0"/>
-            <a:ext cx="9144000" cy="6858000"/>
+            <a:ext cx="12192000" cy="6858000"/>
           </a:xfrm>
           <a:prstGeom prst="rect">
             <a:avLst/>
@@ -4183,7 +4129,7 @@
         </p:nvSpPr>
         <p:spPr>
           <a:xfrm>
-            <a:off x="0" y="1981200"/>
+            <a:off x="1524000" y="1772816"/>
             <a:ext cx="9144000" cy="4800600"/>
           </a:xfrm>
         </p:spPr>
@@ -4197,7 +4143,7 @@
               <a:buNone/>
             </a:pPr>
             <a:r>
-              <a:rPr lang="zh-TW" altLang="en-US" sz="6000" b="1" dirty="0" smtClean="0">
+              <a:rPr lang="zh-TW" altLang="en-US" sz="6000" b="1" dirty="0">
                 <a:solidFill>
                   <a:srgbClr val="FF0000"/>
                 </a:solidFill>
@@ -4206,7 +4152,7 @@
               </a:rPr>
               <a:t>每個人珍惜家就有甜蜜</a:t>
             </a:r>
-            <a:endParaRPr lang="en-US" altLang="zh-TW" sz="6000" b="1" dirty="0" smtClean="0">
+            <a:endParaRPr lang="en-US" altLang="zh-TW" sz="6000" b="1" dirty="0">
               <a:solidFill>
                 <a:srgbClr val="FF0000"/>
               </a:solidFill>
@@ -4509,26 +4455,16 @@
               <a:buNone/>
             </a:pPr>
             <a:r>
-              <a:rPr lang="zh-TW" altLang="en-US" sz="6000" b="1" dirty="0" smtClean="0">
+              <a:rPr lang="zh-TW" altLang="en-US" sz="6000" b="1" dirty="0">
                 <a:solidFill>
                   <a:srgbClr val="FF0000"/>
                 </a:solidFill>
                 <a:latin typeface="標楷體" pitchFamily="65" charset="-120"/>
                 <a:ea typeface="標楷體" pitchFamily="65" charset="-120"/>
               </a:rPr>
-              <a:t>每</a:t>
-            </a:r>
-            <a:r>
-              <a:rPr lang="zh-TW" altLang="en-US" sz="6000" b="1" dirty="0" smtClean="0">
-                <a:solidFill>
-                  <a:srgbClr val="FF0000"/>
-                </a:solidFill>
-                <a:latin typeface="標楷體" pitchFamily="65" charset="-120"/>
-                <a:ea typeface="標楷體" pitchFamily="65" charset="-120"/>
-              </a:rPr>
-              <a:t>個人寬恕家就有幸福</a:t>
-            </a:r>
-            <a:endParaRPr lang="en-US" altLang="zh-TW" sz="6000" b="1" dirty="0" smtClean="0">
+              <a:t>每個人寬恕家就有幸福</a:t>
+            </a:r>
+            <a:endParaRPr lang="en-US" altLang="zh-TW" sz="6000" b="1" dirty="0">
               <a:solidFill>
                 <a:srgbClr val="FF0000"/>
               </a:solidFill>
@@ -4673,7 +4609,7 @@
               <a:t> </a:t>
             </a:r>
             <a:r>
-              <a:rPr lang="en-US" altLang="en-US" sz="3600" b="1" dirty="0" err="1" smtClean="0">
+              <a:rPr lang="en-US" altLang="en-US" sz="3600" b="1" dirty="0" err="1">
                 <a:solidFill>
                   <a:srgbClr val="FF0000"/>
                 </a:solidFill>
@@ -4683,7 +4619,7 @@
               </a:rPr>
               <a:t>nhau</a:t>
             </a:r>
-            <a:endParaRPr lang="en-US" altLang="en-US" sz="3600" b="1" dirty="0" smtClean="0">
+            <a:endParaRPr lang="en-US" altLang="en-US" sz="3600" b="1" dirty="0">
               <a:solidFill>
                 <a:srgbClr val="FF0000"/>
               </a:solidFill>
@@ -4697,7 +4633,7 @@
               <a:buNone/>
             </a:pPr>
             <a:r>
-              <a:rPr lang="en-US" altLang="en-US" sz="3600" b="1" dirty="0" err="1" smtClean="0">
+              <a:rPr lang="en-US" altLang="en-US" sz="3600" b="1" dirty="0" err="1">
                 <a:solidFill>
                   <a:srgbClr val="FF0000"/>
                 </a:solidFill>
@@ -4708,7 +4644,7 @@
               <a:t>gia</a:t>
             </a:r>
             <a:r>
-              <a:rPr lang="en-US" altLang="en-US" sz="3600" b="1" dirty="0" smtClean="0">
+              <a:rPr lang="en-US" altLang="en-US" sz="3600" b="1" dirty="0">
                 <a:solidFill>
                   <a:srgbClr val="FF0000"/>
                 </a:solidFill>
@@ -4959,8 +4895,8 @@
         </p:blipFill>
         <p:spPr bwMode="auto">
           <a:xfrm>
-            <a:off x="0" y="0"/>
-            <a:ext cx="9144000" cy="6858001"/>
+            <a:off x="0" y="1"/>
+            <a:ext cx="12192000" cy="6858001"/>
           </a:xfrm>
           <a:prstGeom prst="rect">
             <a:avLst/>
@@ -4978,8 +4914,8 @@
         </p:nvSpPr>
         <p:spPr>
           <a:xfrm>
-            <a:off x="2916291" y="0"/>
-            <a:ext cx="6227709" cy="2988530"/>
+            <a:off x="5550496" y="162344"/>
+            <a:ext cx="6336704" cy="3096345"/>
           </a:xfrm>
           <a:prstGeom prst="rect">
             <a:avLst/>
@@ -4991,446 +4927,7 @@
           </a:bodyPr>
           <a:lstStyle/>
           <a:p>
-            <a:pPr marL="0" marR="0" lvl="0" indent="0" algn="ctr" defTabSz="457200" rtl="0" eaLnBrk="1" fontAlgn="auto" latinLnBrk="0" hangingPunct="1">
-              <a:lnSpc>
-                <a:spcPct val="100000"/>
-              </a:lnSpc>
-              <a:spcBef>
-                <a:spcPts val="1000"/>
-              </a:spcBef>
-              <a:spcAft>
-                <a:spcPts val="0"/>
-              </a:spcAft>
-              <a:buClr>
-                <a:schemeClr val="accent1"/>
-              </a:buClr>
-              <a:buSzTx/>
-              <a:buFont typeface="Wingdings 3" charset="2"/>
-              <a:buNone/>
-              <a:tabLst/>
-              <a:defRPr/>
-            </a:pPr>
-            <a:r>
-              <a:rPr kumimoji="0" lang="zh-TW" altLang="en-US" sz="5200" b="1" i="0" u="none" strike="noStrike" kern="1200" cap="none" spc="0" normalizeH="0" baseline="0" noProof="0" dirty="0" smtClean="0">
-                <a:ln>
-                  <a:noFill/>
-                </a:ln>
-                <a:solidFill>
-                  <a:srgbClr val="C00000"/>
-                </a:solidFill>
-                <a:effectLst/>
-                <a:uLnTx/>
-                <a:uFillTx/>
-                <a:latin typeface="Microsoft JhengHei" panose="020B0604030504040204" pitchFamily="34" charset="-120"/>
-                <a:ea typeface="Microsoft JhengHei" panose="020B0604030504040204" pitchFamily="34" charset="-120"/>
-                <a:cs typeface="+mn-cs"/>
-              </a:rPr>
-              <a:t>讓愛天天住你</a:t>
-            </a:r>
-            <a:r>
-              <a:rPr kumimoji="0" lang="zh-TW" altLang="en-US" sz="5200" b="1" i="0" u="none" strike="noStrike" kern="1200" cap="none" spc="0" normalizeH="0" baseline="0" noProof="0" dirty="0" smtClean="0">
-                <a:ln>
-                  <a:noFill/>
-                </a:ln>
-                <a:solidFill>
-                  <a:srgbClr val="C00000"/>
-                </a:solidFill>
-                <a:effectLst/>
-                <a:uLnTx/>
-                <a:uFillTx/>
-                <a:latin typeface="Microsoft JhengHei" panose="020B0604030504040204" pitchFamily="34" charset="-120"/>
-                <a:ea typeface="Microsoft JhengHei" panose="020B0604030504040204" pitchFamily="34" charset="-120"/>
-                <a:cs typeface="+mn-cs"/>
-              </a:rPr>
-              <a:t>家</a:t>
-            </a:r>
-            <a:endParaRPr kumimoji="0" lang="en-US" altLang="zh-TW" sz="5200" b="1" i="0" u="none" strike="noStrike" kern="1200" cap="none" spc="0" normalizeH="0" baseline="0" noProof="0" dirty="0" smtClean="0">
-              <a:ln>
-                <a:noFill/>
-              </a:ln>
-              <a:solidFill>
-                <a:srgbClr val="C00000"/>
-              </a:solidFill>
-              <a:effectLst/>
-              <a:uLnTx/>
-              <a:uFillTx/>
-              <a:latin typeface="Microsoft JhengHei" panose="020B0604030504040204" pitchFamily="34" charset="-120"/>
-              <a:ea typeface="Microsoft JhengHei" panose="020B0604030504040204" pitchFamily="34" charset="-120"/>
-              <a:cs typeface="+mn-cs"/>
-            </a:endParaRPr>
-          </a:p>
-          <a:p>
-            <a:pPr marL="0" marR="0" lvl="0" indent="0" algn="ctr" defTabSz="457200" rtl="0" eaLnBrk="1" fontAlgn="auto" latinLnBrk="0" hangingPunct="1">
-              <a:lnSpc>
-                <a:spcPct val="100000"/>
-              </a:lnSpc>
-              <a:spcBef>
-                <a:spcPts val="1000"/>
-              </a:spcBef>
-              <a:spcAft>
-                <a:spcPts val="0"/>
-              </a:spcAft>
-              <a:buClr>
-                <a:schemeClr val="accent1"/>
-              </a:buClr>
-              <a:buSzTx/>
-              <a:buFont typeface="Wingdings 3" charset="2"/>
-              <a:buNone/>
-              <a:tabLst/>
-              <a:defRPr/>
-            </a:pPr>
-            <a:r>
-              <a:rPr kumimoji="0" lang="zh-TW" altLang="en-US" sz="5200" b="1" i="0" u="none" strike="noStrike" kern="1200" cap="none" spc="0" normalizeH="0" baseline="0" noProof="0" dirty="0" smtClean="0">
-                <a:ln>
-                  <a:noFill/>
-                </a:ln>
-                <a:solidFill>
-                  <a:srgbClr val="C00000"/>
-                </a:solidFill>
-                <a:effectLst/>
-                <a:uLnTx/>
-                <a:uFillTx/>
-                <a:latin typeface="Microsoft JhengHei" panose="020B0604030504040204" pitchFamily="34" charset="-120"/>
-                <a:ea typeface="Microsoft JhengHei" panose="020B0604030504040204" pitchFamily="34" charset="-120"/>
-                <a:cs typeface="+mn-cs"/>
-              </a:rPr>
-              <a:t>讓愛天天住</a:t>
-            </a:r>
-            <a:r>
-              <a:rPr kumimoji="0" lang="zh-TW" altLang="en-US" sz="5200" b="1" i="0" u="none" strike="noStrike" kern="1200" cap="none" spc="0" normalizeH="0" baseline="0" noProof="0" dirty="0" smtClean="0">
-                <a:ln>
-                  <a:noFill/>
-                </a:ln>
-                <a:solidFill>
-                  <a:srgbClr val="C00000"/>
-                </a:solidFill>
-                <a:effectLst/>
-                <a:uLnTx/>
-                <a:uFillTx/>
-                <a:latin typeface="Microsoft JhengHei" panose="020B0604030504040204" pitchFamily="34" charset="-120"/>
-                <a:ea typeface="Microsoft JhengHei" panose="020B0604030504040204" pitchFamily="34" charset="-120"/>
-                <a:cs typeface="+mn-cs"/>
-              </a:rPr>
-              <a:t>我家</a:t>
-            </a:r>
-          </a:p>
-          <a:p>
-            <a:pPr lvl="0" algn="ctr" defTabSz="457200" fontAlgn="auto">
-              <a:spcBef>
-                <a:spcPts val="1000"/>
-              </a:spcBef>
-              <a:spcAft>
-                <a:spcPts val="0"/>
-              </a:spcAft>
-              <a:buClr>
-                <a:schemeClr val="accent1"/>
-              </a:buClr>
-              <a:defRPr/>
-            </a:pPr>
-            <a:r>
-              <a:rPr lang="en-US" sz="3900" b="1" dirty="0" err="1">
-                <a:solidFill>
-                  <a:srgbClr val="C00000"/>
-                </a:solidFill>
-                <a:latin typeface="Times New Roman" pitchFamily="18" charset="0"/>
-                <a:cs typeface="Times New Roman" pitchFamily="18" charset="0"/>
-              </a:rPr>
-              <a:t>Hãy</a:t>
-            </a:r>
-            <a:r>
-              <a:rPr lang="en-US" sz="3900" b="1" dirty="0">
-                <a:solidFill>
-                  <a:srgbClr val="C00000"/>
-                </a:solidFill>
-                <a:latin typeface="Times New Roman" pitchFamily="18" charset="0"/>
-                <a:cs typeface="Times New Roman" pitchFamily="18" charset="0"/>
-              </a:rPr>
-              <a:t> </a:t>
-            </a:r>
-            <a:r>
-              <a:rPr lang="en-US" sz="3900" b="1" dirty="0" err="1">
-                <a:solidFill>
-                  <a:srgbClr val="C00000"/>
-                </a:solidFill>
-                <a:latin typeface="Times New Roman" pitchFamily="18" charset="0"/>
-                <a:cs typeface="Times New Roman" pitchFamily="18" charset="0"/>
-              </a:rPr>
-              <a:t>để</a:t>
-            </a:r>
-            <a:r>
-              <a:rPr lang="en-US" sz="3900" b="1" dirty="0">
-                <a:solidFill>
-                  <a:srgbClr val="C00000"/>
-                </a:solidFill>
-                <a:latin typeface="Times New Roman" pitchFamily="18" charset="0"/>
-                <a:cs typeface="Times New Roman" pitchFamily="18" charset="0"/>
-              </a:rPr>
-              <a:t> </a:t>
-            </a:r>
-            <a:r>
-              <a:rPr lang="en-US" sz="3900" b="1" dirty="0" err="1">
-                <a:solidFill>
-                  <a:srgbClr val="C00000"/>
-                </a:solidFill>
-                <a:latin typeface="Times New Roman" pitchFamily="18" charset="0"/>
-                <a:cs typeface="Times New Roman" pitchFamily="18" charset="0"/>
-              </a:rPr>
-              <a:t>tình</a:t>
-            </a:r>
-            <a:r>
-              <a:rPr lang="en-US" sz="3900" b="1" dirty="0">
-                <a:solidFill>
-                  <a:srgbClr val="C00000"/>
-                </a:solidFill>
-                <a:latin typeface="Times New Roman" pitchFamily="18" charset="0"/>
-                <a:cs typeface="Times New Roman" pitchFamily="18" charset="0"/>
-              </a:rPr>
-              <a:t> </a:t>
-            </a:r>
-            <a:r>
-              <a:rPr lang="en-US" sz="3900" b="1" dirty="0" err="1">
-                <a:solidFill>
-                  <a:srgbClr val="C00000"/>
-                </a:solidFill>
-                <a:latin typeface="Times New Roman" pitchFamily="18" charset="0"/>
-                <a:cs typeface="Times New Roman" pitchFamily="18" charset="0"/>
-              </a:rPr>
-              <a:t>yêu</a:t>
-            </a:r>
-            <a:r>
-              <a:rPr lang="en-US" sz="3900" b="1" dirty="0">
-                <a:solidFill>
-                  <a:srgbClr val="C00000"/>
-                </a:solidFill>
-                <a:latin typeface="Times New Roman" pitchFamily="18" charset="0"/>
-                <a:cs typeface="Times New Roman" pitchFamily="18" charset="0"/>
-              </a:rPr>
-              <a:t> </a:t>
-            </a:r>
-            <a:endParaRPr lang="en-US" sz="3900" b="1" dirty="0" smtClean="0">
-              <a:solidFill>
-                <a:srgbClr val="C00000"/>
-              </a:solidFill>
-              <a:latin typeface="Times New Roman" pitchFamily="18" charset="0"/>
-              <a:cs typeface="Times New Roman" pitchFamily="18" charset="0"/>
-            </a:endParaRPr>
-          </a:p>
-          <a:p>
-            <a:pPr lvl="0" algn="ctr" defTabSz="457200" fontAlgn="auto">
-              <a:spcBef>
-                <a:spcPts val="1000"/>
-              </a:spcBef>
-              <a:spcAft>
-                <a:spcPts val="0"/>
-              </a:spcAft>
-              <a:buClr>
-                <a:schemeClr val="accent1"/>
-              </a:buClr>
-              <a:defRPr/>
-            </a:pPr>
-            <a:r>
-              <a:rPr lang="en-US" sz="3900" b="1" dirty="0" err="1" smtClean="0">
-                <a:solidFill>
-                  <a:srgbClr val="C00000"/>
-                </a:solidFill>
-                <a:latin typeface="Times New Roman" pitchFamily="18" charset="0"/>
-                <a:cs typeface="Times New Roman" pitchFamily="18" charset="0"/>
-              </a:rPr>
-              <a:t>tràn</a:t>
-            </a:r>
-            <a:r>
-              <a:rPr lang="en-US" sz="3900" b="1" dirty="0" smtClean="0">
-                <a:solidFill>
-                  <a:srgbClr val="C00000"/>
-                </a:solidFill>
-                <a:latin typeface="Times New Roman" pitchFamily="18" charset="0"/>
-                <a:cs typeface="Times New Roman" pitchFamily="18" charset="0"/>
-              </a:rPr>
-              <a:t> </a:t>
-            </a:r>
-            <a:r>
-              <a:rPr lang="en-US" sz="3900" b="1" dirty="0" err="1">
-                <a:solidFill>
-                  <a:srgbClr val="C00000"/>
-                </a:solidFill>
-                <a:latin typeface="Times New Roman" pitchFamily="18" charset="0"/>
-                <a:cs typeface="Times New Roman" pitchFamily="18" charset="0"/>
-              </a:rPr>
-              <a:t>đầy</a:t>
-            </a:r>
-            <a:r>
-              <a:rPr lang="en-US" sz="3900" b="1" dirty="0">
-                <a:solidFill>
-                  <a:srgbClr val="C00000"/>
-                </a:solidFill>
-                <a:latin typeface="Times New Roman" pitchFamily="18" charset="0"/>
-                <a:cs typeface="Times New Roman" pitchFamily="18" charset="0"/>
-              </a:rPr>
-              <a:t> </a:t>
-            </a:r>
-            <a:r>
-              <a:rPr lang="en-US" sz="3900" b="1" dirty="0" err="1">
-                <a:solidFill>
-                  <a:srgbClr val="C00000"/>
-                </a:solidFill>
-                <a:latin typeface="Times New Roman" pitchFamily="18" charset="0"/>
-                <a:cs typeface="Times New Roman" pitchFamily="18" charset="0"/>
-              </a:rPr>
-              <a:t>gia</a:t>
-            </a:r>
-            <a:r>
-              <a:rPr lang="en-US" sz="3900" b="1" dirty="0">
-                <a:solidFill>
-                  <a:srgbClr val="C00000"/>
-                </a:solidFill>
-                <a:latin typeface="Times New Roman" pitchFamily="18" charset="0"/>
-                <a:cs typeface="Times New Roman" pitchFamily="18" charset="0"/>
-              </a:rPr>
-              <a:t> </a:t>
-            </a:r>
-            <a:r>
-              <a:rPr lang="en-US" sz="3900" b="1" dirty="0" err="1">
-                <a:solidFill>
-                  <a:srgbClr val="C00000"/>
-                </a:solidFill>
-                <a:latin typeface="Times New Roman" pitchFamily="18" charset="0"/>
-                <a:cs typeface="Times New Roman" pitchFamily="18" charset="0"/>
-              </a:rPr>
-              <a:t>đình</a:t>
-            </a:r>
-            <a:r>
-              <a:rPr lang="en-US" sz="3900" b="1" dirty="0">
-                <a:solidFill>
-                  <a:srgbClr val="C00000"/>
-                </a:solidFill>
-                <a:latin typeface="Times New Roman" pitchFamily="18" charset="0"/>
-                <a:cs typeface="Times New Roman" pitchFamily="18" charset="0"/>
-              </a:rPr>
-              <a:t> </a:t>
-            </a:r>
-            <a:r>
-              <a:rPr lang="en-US" sz="3900" b="1" dirty="0" err="1">
-                <a:solidFill>
-                  <a:srgbClr val="C00000"/>
-                </a:solidFill>
-                <a:latin typeface="Times New Roman" pitchFamily="18" charset="0"/>
-                <a:cs typeface="Times New Roman" pitchFamily="18" charset="0"/>
-              </a:rPr>
-              <a:t>bạn</a:t>
-            </a:r>
-            <a:endParaRPr kumimoji="0" lang="en-US" altLang="zh-TW" sz="3900" b="1" i="0" u="none" strike="noStrike" kern="1200" cap="none" spc="0" normalizeH="0" baseline="0" noProof="0" dirty="0" smtClean="0">
-              <a:ln>
-                <a:noFill/>
-              </a:ln>
-              <a:solidFill>
-                <a:srgbClr val="C00000"/>
-              </a:solidFill>
-              <a:effectLst/>
-              <a:uLnTx/>
-              <a:uFillTx/>
-              <a:latin typeface="Times New Roman" pitchFamily="18" charset="0"/>
-              <a:ea typeface="Microsoft JhengHei" panose="020B0604030504040204" pitchFamily="34" charset="-120"/>
-              <a:cs typeface="Times New Roman" pitchFamily="18" charset="0"/>
-            </a:endParaRPr>
-          </a:p>
-        </p:txBody>
-      </p:sp>
-      <p:sp>
-        <p:nvSpPr>
-          <p:cNvPr id="6" name="內容版面配置區 2"/>
-          <p:cNvSpPr txBox="1">
-            <a:spLocks/>
-          </p:cNvSpPr>
-          <p:nvPr/>
-        </p:nvSpPr>
-        <p:spPr>
-          <a:xfrm>
-            <a:off x="0" y="2971800"/>
-            <a:ext cx="9144000" cy="3886200"/>
-          </a:xfrm>
-          <a:prstGeom prst="rect">
-            <a:avLst/>
-          </a:prstGeom>
-        </p:spPr>
-        <p:txBody>
-          <a:bodyPr vert="horz" lIns="91440" tIns="45720" rIns="91440" bIns="45720" rtlCol="0">
-            <a:noAutofit/>
-          </a:bodyPr>
-          <a:lstStyle/>
-          <a:p>
-            <a:pPr marL="0" marR="0" lvl="0" indent="0" defTabSz="457200" rtl="0" eaLnBrk="1" fontAlgn="auto" latinLnBrk="0" hangingPunct="1">
-              <a:lnSpc>
-                <a:spcPct val="100000"/>
-              </a:lnSpc>
-              <a:spcBef>
-                <a:spcPts val="1000"/>
-              </a:spcBef>
-              <a:spcAft>
-                <a:spcPts val="0"/>
-              </a:spcAft>
-              <a:buClr>
-                <a:schemeClr val="accent1"/>
-              </a:buClr>
-              <a:buSzTx/>
-              <a:buFont typeface="Wingdings 3" charset="2"/>
-              <a:buNone/>
-              <a:tabLst/>
-              <a:defRPr/>
-            </a:pPr>
-            <a:r>
-              <a:rPr kumimoji="0" lang="zh-TW" altLang="en-US" sz="5400" b="1" i="0" u="none" strike="noStrike" kern="1200" cap="none" spc="0" normalizeH="0" baseline="0" noProof="0" dirty="0" smtClean="0">
-                <a:ln>
-                  <a:noFill/>
-                </a:ln>
-                <a:solidFill>
-                  <a:srgbClr val="002060"/>
-                </a:solidFill>
-                <a:effectLst/>
-                <a:uLnTx/>
-                <a:uFillTx/>
-                <a:latin typeface="Times New Roman" pitchFamily="18" charset="0"/>
-                <a:ea typeface="Microsoft JhengHei" panose="020B0604030504040204" pitchFamily="34" charset="-120"/>
-                <a:cs typeface="Times New Roman" pitchFamily="18" charset="0"/>
-              </a:rPr>
-              <a:t>不分日夜秋</a:t>
-            </a:r>
-            <a:r>
-              <a:rPr kumimoji="0" lang="zh-TW" altLang="en-US" sz="5400" b="1" i="0" strike="noStrike" kern="1200" cap="none" spc="0" normalizeH="0" baseline="0" noProof="0" dirty="0" smtClean="0">
-                <a:ln>
-                  <a:noFill/>
-                </a:ln>
-                <a:solidFill>
-                  <a:srgbClr val="002060"/>
-                </a:solidFill>
-                <a:effectLst/>
-                <a:uLnTx/>
-                <a:uFillTx/>
-                <a:latin typeface="Times New Roman" pitchFamily="18" charset="0"/>
-                <a:ea typeface="Microsoft JhengHei" panose="020B0604030504040204" pitchFamily="34" charset="-120"/>
-                <a:cs typeface="Times New Roman" pitchFamily="18" charset="0"/>
-              </a:rPr>
-              <a:t>冬春夏</a:t>
-            </a:r>
-            <a:r>
-              <a:rPr kumimoji="0" lang="en-US" altLang="zh-TW" sz="5400" b="1" i="0" u="none" strike="noStrike" kern="1200" cap="none" spc="0" normalizeH="0" baseline="0" noProof="0" dirty="0" smtClean="0">
-                <a:ln>
-                  <a:noFill/>
-                </a:ln>
-                <a:solidFill>
-                  <a:srgbClr val="002060"/>
-                </a:solidFill>
-                <a:effectLst/>
-                <a:uLnTx/>
-                <a:uFillTx/>
-                <a:latin typeface="Times New Roman" pitchFamily="18" charset="0"/>
-                <a:ea typeface="Microsoft JhengHei" panose="020B0604030504040204" pitchFamily="34" charset="-120"/>
-                <a:cs typeface="Times New Roman" pitchFamily="18" charset="0"/>
-              </a:rPr>
-              <a:t> </a:t>
-            </a:r>
-          </a:p>
-          <a:p>
-            <a:pPr lvl="0">
+            <a:pPr algn="ctr" defTabSz="457200">
               <a:spcBef>
                 <a:spcPts val="1000"/>
               </a:spcBef>
@@ -5440,125 +4937,25 @@
               <a:defRPr/>
             </a:pPr>
             <a:r>
-              <a:rPr lang="en-US" sz="3600" b="1" dirty="0" err="1">
-                <a:solidFill>
-                  <a:srgbClr val="002060"/>
-                </a:solidFill>
-                <a:latin typeface="Times New Roman" pitchFamily="18" charset="0"/>
-                <a:cs typeface="Times New Roman" pitchFamily="18" charset="0"/>
-              </a:rPr>
-              <a:t>bất</a:t>
-            </a:r>
-            <a:r>
-              <a:rPr lang="en-US" sz="3600" b="1" dirty="0">
-                <a:solidFill>
-                  <a:srgbClr val="002060"/>
-                </a:solidFill>
-                <a:latin typeface="Times New Roman" pitchFamily="18" charset="0"/>
-                <a:cs typeface="Times New Roman" pitchFamily="18" charset="0"/>
-              </a:rPr>
-              <a:t> </a:t>
-            </a:r>
-            <a:r>
-              <a:rPr lang="en-US" sz="3600" b="1" dirty="0" err="1">
-                <a:solidFill>
-                  <a:srgbClr val="002060"/>
-                </a:solidFill>
-                <a:latin typeface="Times New Roman" pitchFamily="18" charset="0"/>
-                <a:cs typeface="Times New Roman" pitchFamily="18" charset="0"/>
-              </a:rPr>
-              <a:t>luận</a:t>
-            </a:r>
-            <a:r>
-              <a:rPr lang="en-US" sz="3600" b="1" dirty="0">
-                <a:solidFill>
-                  <a:srgbClr val="002060"/>
-                </a:solidFill>
-                <a:latin typeface="Times New Roman" pitchFamily="18" charset="0"/>
-                <a:cs typeface="Times New Roman" pitchFamily="18" charset="0"/>
-              </a:rPr>
-              <a:t> </a:t>
-            </a:r>
-            <a:r>
-              <a:rPr lang="en-US" sz="3600" b="1" dirty="0" err="1">
-                <a:solidFill>
-                  <a:srgbClr val="002060"/>
-                </a:solidFill>
-                <a:latin typeface="Times New Roman" pitchFamily="18" charset="0"/>
-                <a:cs typeface="Times New Roman" pitchFamily="18" charset="0"/>
-              </a:rPr>
-              <a:t>xuân</a:t>
-            </a:r>
-            <a:r>
-              <a:rPr lang="en-US" sz="3600" b="1" dirty="0">
-                <a:solidFill>
-                  <a:srgbClr val="002060"/>
-                </a:solidFill>
-                <a:latin typeface="Times New Roman" pitchFamily="18" charset="0"/>
-                <a:cs typeface="Times New Roman" pitchFamily="18" charset="0"/>
-              </a:rPr>
-              <a:t> </a:t>
-            </a:r>
-            <a:r>
-              <a:rPr lang="en-US" sz="3600" b="1" dirty="0" err="1">
-                <a:solidFill>
-                  <a:srgbClr val="002060"/>
-                </a:solidFill>
-                <a:latin typeface="Times New Roman" pitchFamily="18" charset="0"/>
-                <a:cs typeface="Times New Roman" pitchFamily="18" charset="0"/>
-              </a:rPr>
-              <a:t>hạ</a:t>
-            </a:r>
-            <a:r>
-              <a:rPr lang="en-US" sz="3600" b="1" dirty="0">
-                <a:solidFill>
-                  <a:srgbClr val="002060"/>
-                </a:solidFill>
-                <a:latin typeface="Times New Roman" pitchFamily="18" charset="0"/>
-                <a:cs typeface="Times New Roman" pitchFamily="18" charset="0"/>
-              </a:rPr>
-              <a:t> </a:t>
-            </a:r>
-            <a:r>
-              <a:rPr lang="en-US" sz="3600" b="1" dirty="0" err="1">
-                <a:solidFill>
-                  <a:srgbClr val="002060"/>
-                </a:solidFill>
-                <a:latin typeface="Times New Roman" pitchFamily="18" charset="0"/>
-                <a:cs typeface="Times New Roman" pitchFamily="18" charset="0"/>
-              </a:rPr>
-              <a:t>thu</a:t>
-            </a:r>
-            <a:r>
-              <a:rPr lang="en-US" sz="3600" b="1" dirty="0">
-                <a:solidFill>
-                  <a:srgbClr val="002060"/>
-                </a:solidFill>
-                <a:latin typeface="Times New Roman" pitchFamily="18" charset="0"/>
-                <a:cs typeface="Times New Roman" pitchFamily="18" charset="0"/>
-              </a:rPr>
-              <a:t> </a:t>
-            </a:r>
-            <a:r>
-              <a:rPr lang="en-US" sz="3600" b="1" dirty="0" err="1" smtClean="0">
-                <a:solidFill>
-                  <a:srgbClr val="002060"/>
-                </a:solidFill>
-                <a:latin typeface="Times New Roman" pitchFamily="18" charset="0"/>
-                <a:cs typeface="Times New Roman" pitchFamily="18" charset="0"/>
-              </a:rPr>
-              <a:t>đông</a:t>
-            </a:r>
-            <a:endParaRPr lang="en-US" sz="3600" b="1" dirty="0" smtClean="0">
+              <a:rPr lang="zh-TW" altLang="en-US" sz="5200" b="1" dirty="0">
+                <a:solidFill>
+                  <a:srgbClr val="C00000"/>
+                </a:solidFill>
+                <a:latin typeface="Microsoft JhengHei" panose="020B0604030504040204" pitchFamily="34" charset="-120"/>
+                <a:ea typeface="Microsoft JhengHei" panose="020B0604030504040204" pitchFamily="34" charset="-120"/>
+              </a:rPr>
+              <a:t>讓愛天天住你家</a:t>
+            </a:r>
+            <a:endParaRPr lang="en-US" altLang="zh-TW" sz="5200" b="1" dirty="0">
               <a:solidFill>
-                <a:srgbClr val="002060"/>
+                <a:srgbClr val="C00000"/>
               </a:solidFill>
-              <a:latin typeface="Times New Roman" pitchFamily="18" charset="0"/>
-              <a:cs typeface="Times New Roman" pitchFamily="18" charset="0"/>
+              <a:latin typeface="Microsoft JhengHei" panose="020B0604030504040204" pitchFamily="34" charset="-120"/>
+              <a:ea typeface="Microsoft JhengHei" panose="020B0604030504040204" pitchFamily="34" charset="-120"/>
             </a:endParaRPr>
           </a:p>
           <a:p>
-            <a:pPr lvl="0">
+            <a:pPr algn="ctr" defTabSz="457200">
               <a:spcBef>
                 <a:spcPts val="1000"/>
               </a:spcBef>
@@ -5568,56 +4965,18 @@
               <a:defRPr/>
             </a:pPr>
             <a:r>
-              <a:rPr kumimoji="0" lang="zh-TW" altLang="en-US" sz="5400" b="1" i="0" u="none" strike="noStrike" kern="1200" cap="none" spc="0" normalizeH="0" baseline="0" noProof="0" dirty="0" smtClean="0">
-                <a:ln>
-                  <a:noFill/>
-                </a:ln>
-                <a:solidFill>
-                  <a:srgbClr val="002060"/>
-                </a:solidFill>
-                <a:effectLst/>
-                <a:uLnTx/>
-                <a:uFillTx/>
-                <a:latin typeface="Times New Roman" pitchFamily="18" charset="0"/>
+              <a:rPr lang="zh-TW" altLang="en-US" sz="5200" b="1" dirty="0">
+                <a:solidFill>
+                  <a:srgbClr val="C00000"/>
+                </a:solidFill>
+                <a:latin typeface="Microsoft JhengHei" panose="020B0604030504040204" pitchFamily="34" charset="-120"/>
                 <a:ea typeface="Microsoft JhengHei" panose="020B0604030504040204" pitchFamily="34" charset="-120"/>
-                <a:cs typeface="Times New Roman" pitchFamily="18" charset="0"/>
-              </a:rPr>
-              <a:t>全心全意</a:t>
-            </a:r>
-            <a:r>
-              <a:rPr kumimoji="0" lang="zh-TW" altLang="en-US" sz="5400" b="1" i="0" u="none" strike="noStrike" kern="1200" cap="none" spc="0" normalizeH="0" baseline="0" noProof="0" dirty="0" smtClean="0">
-                <a:ln>
-                  <a:noFill/>
-                </a:ln>
-                <a:solidFill>
-                  <a:srgbClr val="002060"/>
-                </a:solidFill>
-                <a:effectLst/>
-                <a:uLnTx/>
-                <a:uFillTx/>
-                <a:latin typeface="Times New Roman" pitchFamily="18" charset="0"/>
-                <a:ea typeface="Microsoft JhengHei" panose="020B0604030504040204" pitchFamily="34" charset="-120"/>
-                <a:cs typeface="Times New Roman" pitchFamily="18" charset="0"/>
-              </a:rPr>
-              <a:t>愛我們的家</a:t>
-            </a:r>
-            <a:endParaRPr kumimoji="0" lang="en-US" altLang="zh-TW" sz="5400" b="1" i="0" u="none" strike="noStrike" kern="1200" cap="none" spc="0" normalizeH="0" baseline="0" noProof="0" dirty="0" smtClean="0">
-              <a:ln>
-                <a:noFill/>
-              </a:ln>
-              <a:solidFill>
-                <a:srgbClr val="002060"/>
-              </a:solidFill>
-              <a:effectLst/>
-              <a:uLnTx/>
-              <a:uFillTx/>
-              <a:latin typeface="Times New Roman" pitchFamily="18" charset="0"/>
-              <a:ea typeface="Microsoft JhengHei" panose="020B0604030504040204" pitchFamily="34" charset="-120"/>
-              <a:cs typeface="Times New Roman" pitchFamily="18" charset="0"/>
-            </a:endParaRPr>
-          </a:p>
-          <a:p>
-            <a:pPr lvl="0">
+              </a:rPr>
+              <a:t>讓愛天天住我家</a:t>
+            </a:r>
+          </a:p>
+          <a:p>
+            <a:pPr algn="ctr" defTabSz="457200">
               <a:spcBef>
                 <a:spcPts val="1000"/>
               </a:spcBef>
@@ -5627,9 +4986,9 @@
               <a:defRPr/>
             </a:pPr>
             <a:r>
-              <a:rPr lang="en-US" sz="3600" b="1" dirty="0" err="1">
-                <a:solidFill>
-                  <a:srgbClr val="002060"/>
+              <a:rPr lang="en-US" sz="3900" b="1" dirty="0" err="1">
+                <a:solidFill>
+                  <a:srgbClr val="C00000"/>
                 </a:solidFill>
                 <a:latin typeface="Times New Roman" pitchFamily="18" charset="0"/>
                 <a:cs typeface="Times New Roman" pitchFamily="18" charset="0"/>
@@ -5637,108 +4996,85 @@
               <a:t>Hãy</a:t>
             </a:r>
             <a:r>
-              <a:rPr lang="en-US" sz="3600" b="1" dirty="0">
-                <a:solidFill>
-                  <a:srgbClr val="002060"/>
-                </a:solidFill>
-                <a:latin typeface="Times New Roman" pitchFamily="18" charset="0"/>
-                <a:cs typeface="Times New Roman" pitchFamily="18" charset="0"/>
-              </a:rPr>
-              <a:t> </a:t>
-            </a:r>
-            <a:r>
-              <a:rPr lang="en-US" sz="3600" b="1" dirty="0" err="1">
-                <a:solidFill>
-                  <a:srgbClr val="002060"/>
-                </a:solidFill>
-                <a:latin typeface="Times New Roman" pitchFamily="18" charset="0"/>
-                <a:cs typeface="Times New Roman" pitchFamily="18" charset="0"/>
-              </a:rPr>
-              <a:t>luôn</a:t>
-            </a:r>
-            <a:r>
-              <a:rPr lang="en-US" sz="3600" b="1" dirty="0">
-                <a:solidFill>
-                  <a:srgbClr val="002060"/>
-                </a:solidFill>
-                <a:latin typeface="Times New Roman" pitchFamily="18" charset="0"/>
-                <a:cs typeface="Times New Roman" pitchFamily="18" charset="0"/>
-              </a:rPr>
-              <a:t> </a:t>
-            </a:r>
-            <a:r>
-              <a:rPr lang="en-US" sz="3600" b="1" dirty="0" err="1">
-                <a:solidFill>
-                  <a:srgbClr val="002060"/>
-                </a:solidFill>
-                <a:latin typeface="Times New Roman" pitchFamily="18" charset="0"/>
-                <a:cs typeface="Times New Roman" pitchFamily="18" charset="0"/>
-              </a:rPr>
-              <a:t>toàn</a:t>
-            </a:r>
-            <a:r>
-              <a:rPr lang="en-US" sz="3600" b="1" dirty="0">
-                <a:solidFill>
-                  <a:srgbClr val="002060"/>
-                </a:solidFill>
-                <a:latin typeface="Times New Roman" pitchFamily="18" charset="0"/>
-                <a:cs typeface="Times New Roman" pitchFamily="18" charset="0"/>
-              </a:rPr>
-              <a:t> </a:t>
-            </a:r>
-            <a:r>
-              <a:rPr lang="en-US" sz="3600" b="1" dirty="0" err="1">
-                <a:solidFill>
-                  <a:srgbClr val="002060"/>
-                </a:solidFill>
-                <a:latin typeface="Times New Roman" pitchFamily="18" charset="0"/>
-                <a:cs typeface="Times New Roman" pitchFamily="18" charset="0"/>
-              </a:rPr>
-              <a:t>tâm</a:t>
-            </a:r>
-            <a:r>
-              <a:rPr lang="en-US" sz="3600" b="1" dirty="0">
-                <a:solidFill>
-                  <a:srgbClr val="002060"/>
-                </a:solidFill>
-                <a:latin typeface="Times New Roman" pitchFamily="18" charset="0"/>
-                <a:cs typeface="Times New Roman" pitchFamily="18" charset="0"/>
-              </a:rPr>
-              <a:t> </a:t>
-            </a:r>
-            <a:r>
-              <a:rPr lang="en-US" sz="3600" b="1" dirty="0" err="1">
-                <a:solidFill>
-                  <a:srgbClr val="002060"/>
-                </a:solidFill>
-                <a:latin typeface="Times New Roman" pitchFamily="18" charset="0"/>
-                <a:cs typeface="Times New Roman" pitchFamily="18" charset="0"/>
-              </a:rPr>
-              <a:t>toàn</a:t>
-            </a:r>
-            <a:r>
-              <a:rPr lang="en-US" sz="3600" b="1" dirty="0">
-                <a:solidFill>
-                  <a:srgbClr val="002060"/>
-                </a:solidFill>
-                <a:latin typeface="Times New Roman" pitchFamily="18" charset="0"/>
-                <a:cs typeface="Times New Roman" pitchFamily="18" charset="0"/>
-              </a:rPr>
-              <a:t> </a:t>
-            </a:r>
-            <a:r>
-              <a:rPr lang="en-US" sz="3600" b="1" dirty="0" smtClean="0">
-                <a:solidFill>
-                  <a:srgbClr val="002060"/>
-                </a:solidFill>
-                <a:latin typeface="Times New Roman" pitchFamily="18" charset="0"/>
-                <a:cs typeface="Times New Roman" pitchFamily="18" charset="0"/>
-              </a:rPr>
-              <a:t>ý</a:t>
-            </a:r>
-          </a:p>
-          <a:p>
-            <a:pPr lvl="0">
+              <a:rPr lang="en-US" sz="3900" b="1" dirty="0">
+                <a:solidFill>
+                  <a:srgbClr val="C00000"/>
+                </a:solidFill>
+                <a:latin typeface="Times New Roman" pitchFamily="18" charset="0"/>
+                <a:cs typeface="Times New Roman" pitchFamily="18" charset="0"/>
+              </a:rPr>
+              <a:t> </a:t>
+            </a:r>
+            <a:r>
+              <a:rPr lang="en-US" sz="3900" b="1" dirty="0" err="1">
+                <a:solidFill>
+                  <a:srgbClr val="C00000"/>
+                </a:solidFill>
+                <a:latin typeface="Times New Roman" pitchFamily="18" charset="0"/>
+                <a:cs typeface="Times New Roman" pitchFamily="18" charset="0"/>
+              </a:rPr>
+              <a:t>để</a:t>
+            </a:r>
+            <a:r>
+              <a:rPr lang="en-US" sz="3900" b="1" dirty="0">
+                <a:solidFill>
+                  <a:srgbClr val="C00000"/>
+                </a:solidFill>
+                <a:latin typeface="Times New Roman" pitchFamily="18" charset="0"/>
+                <a:cs typeface="Times New Roman" pitchFamily="18" charset="0"/>
+              </a:rPr>
+              <a:t> </a:t>
+            </a:r>
+            <a:r>
+              <a:rPr lang="en-US" sz="3900" b="1" dirty="0" err="1">
+                <a:solidFill>
+                  <a:srgbClr val="C00000"/>
+                </a:solidFill>
+                <a:latin typeface="Times New Roman" pitchFamily="18" charset="0"/>
+                <a:cs typeface="Times New Roman" pitchFamily="18" charset="0"/>
+              </a:rPr>
+              <a:t>tình</a:t>
+            </a:r>
+            <a:r>
+              <a:rPr lang="en-US" sz="3900" b="1" dirty="0">
+                <a:solidFill>
+                  <a:srgbClr val="C00000"/>
+                </a:solidFill>
+                <a:latin typeface="Times New Roman" pitchFamily="18" charset="0"/>
+                <a:cs typeface="Times New Roman" pitchFamily="18" charset="0"/>
+              </a:rPr>
+              <a:t> </a:t>
+            </a:r>
+            <a:r>
+              <a:rPr lang="en-US" sz="3900" b="1" dirty="0" err="1">
+                <a:solidFill>
+                  <a:srgbClr val="C00000"/>
+                </a:solidFill>
+                <a:latin typeface="Times New Roman" pitchFamily="18" charset="0"/>
+                <a:cs typeface="Times New Roman" pitchFamily="18" charset="0"/>
+              </a:rPr>
+              <a:t>yêu</a:t>
+            </a:r>
+            <a:r>
+              <a:rPr lang="en-US" sz="3900" b="1" dirty="0">
+                <a:solidFill>
+                  <a:srgbClr val="C00000"/>
+                </a:solidFill>
+                <a:latin typeface="Times New Roman" pitchFamily="18" charset="0"/>
+                <a:cs typeface="Times New Roman" pitchFamily="18" charset="0"/>
+              </a:rPr>
+              <a:t> </a:t>
+            </a:r>
+            <a:endParaRPr lang="en-US" sz="3900" b="1" dirty="0">
+              <a:solidFill>
+                <a:srgbClr val="C00000"/>
+              </a:solidFill>
+              <a:latin typeface="Times New Roman" pitchFamily="18" charset="0"/>
+              <a:cs typeface="Times New Roman" pitchFamily="18" charset="0"/>
+            </a:endParaRPr>
+          </a:p>
+          <a:p>
+            <a:pPr algn="ctr" defTabSz="457200">
               <a:spcBef>
                 <a:spcPts val="1000"/>
               </a:spcBef>
@@ -5748,17 +5084,462 @@
               <a:defRPr/>
             </a:pPr>
             <a:r>
-              <a:rPr lang="en-US" sz="3600" b="1" dirty="0" err="1" smtClean="0">
+              <a:rPr lang="en-US" sz="3900" b="1" dirty="0" err="1">
+                <a:solidFill>
+                  <a:srgbClr val="C00000"/>
+                </a:solidFill>
+                <a:latin typeface="Times New Roman" pitchFamily="18" charset="0"/>
+                <a:cs typeface="Times New Roman" pitchFamily="18" charset="0"/>
+              </a:rPr>
+              <a:t>tràn</a:t>
+            </a:r>
+            <a:r>
+              <a:rPr lang="en-US" sz="3900" b="1" dirty="0">
+                <a:solidFill>
+                  <a:srgbClr val="C00000"/>
+                </a:solidFill>
+                <a:latin typeface="Times New Roman" pitchFamily="18" charset="0"/>
+                <a:cs typeface="Times New Roman" pitchFamily="18" charset="0"/>
+              </a:rPr>
+              <a:t> </a:t>
+            </a:r>
+            <a:r>
+              <a:rPr lang="en-US" sz="3900" b="1" dirty="0" err="1">
+                <a:solidFill>
+                  <a:srgbClr val="C00000"/>
+                </a:solidFill>
+                <a:latin typeface="Times New Roman" pitchFamily="18" charset="0"/>
+                <a:cs typeface="Times New Roman" pitchFamily="18" charset="0"/>
+              </a:rPr>
+              <a:t>đầy</a:t>
+            </a:r>
+            <a:r>
+              <a:rPr lang="en-US" sz="3900" b="1" dirty="0">
+                <a:solidFill>
+                  <a:srgbClr val="C00000"/>
+                </a:solidFill>
+                <a:latin typeface="Times New Roman" pitchFamily="18" charset="0"/>
+                <a:cs typeface="Times New Roman" pitchFamily="18" charset="0"/>
+              </a:rPr>
+              <a:t> </a:t>
+            </a:r>
+            <a:r>
+              <a:rPr lang="en-US" sz="3900" b="1" dirty="0" err="1">
+                <a:solidFill>
+                  <a:srgbClr val="C00000"/>
+                </a:solidFill>
+                <a:latin typeface="Times New Roman" pitchFamily="18" charset="0"/>
+                <a:cs typeface="Times New Roman" pitchFamily="18" charset="0"/>
+              </a:rPr>
+              <a:t>gia</a:t>
+            </a:r>
+            <a:r>
+              <a:rPr lang="en-US" sz="3900" b="1" dirty="0">
+                <a:solidFill>
+                  <a:srgbClr val="C00000"/>
+                </a:solidFill>
+                <a:latin typeface="Times New Roman" pitchFamily="18" charset="0"/>
+                <a:cs typeface="Times New Roman" pitchFamily="18" charset="0"/>
+              </a:rPr>
+              <a:t> </a:t>
+            </a:r>
+            <a:r>
+              <a:rPr lang="en-US" sz="3900" b="1" dirty="0" err="1">
+                <a:solidFill>
+                  <a:srgbClr val="C00000"/>
+                </a:solidFill>
+                <a:latin typeface="Times New Roman" pitchFamily="18" charset="0"/>
+                <a:cs typeface="Times New Roman" pitchFamily="18" charset="0"/>
+              </a:rPr>
+              <a:t>đình</a:t>
+            </a:r>
+            <a:r>
+              <a:rPr lang="en-US" sz="3900" b="1" dirty="0">
+                <a:solidFill>
+                  <a:srgbClr val="C00000"/>
+                </a:solidFill>
+                <a:latin typeface="Times New Roman" pitchFamily="18" charset="0"/>
+                <a:cs typeface="Times New Roman" pitchFamily="18" charset="0"/>
+              </a:rPr>
+              <a:t> </a:t>
+            </a:r>
+            <a:r>
+              <a:rPr lang="en-US" sz="3900" b="1" dirty="0" err="1">
+                <a:solidFill>
+                  <a:srgbClr val="C00000"/>
+                </a:solidFill>
+                <a:latin typeface="Times New Roman" pitchFamily="18" charset="0"/>
+                <a:cs typeface="Times New Roman" pitchFamily="18" charset="0"/>
+              </a:rPr>
+              <a:t>bạn</a:t>
+            </a:r>
+            <a:endParaRPr lang="en-US" altLang="zh-TW" sz="3900" b="1" dirty="0">
+              <a:solidFill>
+                <a:srgbClr val="C00000"/>
+              </a:solidFill>
+              <a:latin typeface="Times New Roman" pitchFamily="18" charset="0"/>
+              <a:ea typeface="Microsoft JhengHei" panose="020B0604030504040204" pitchFamily="34" charset="-120"/>
+              <a:cs typeface="Times New Roman" pitchFamily="18" charset="0"/>
+            </a:endParaRPr>
+          </a:p>
+        </p:txBody>
+      </p:sp>
+      <p:sp>
+        <p:nvSpPr>
+          <p:cNvPr id="6" name="內容版面配置區 2"/>
+          <p:cNvSpPr txBox="1">
+            <a:spLocks/>
+          </p:cNvSpPr>
+          <p:nvPr/>
+        </p:nvSpPr>
+        <p:spPr>
+          <a:xfrm>
+            <a:off x="609600" y="2852936"/>
+            <a:ext cx="7329895" cy="3886200"/>
+          </a:xfrm>
+          <a:prstGeom prst="rect">
+            <a:avLst/>
+          </a:prstGeom>
+        </p:spPr>
+        <p:txBody>
+          <a:bodyPr vert="horz" lIns="91440" tIns="45720" rIns="91440" bIns="45720" rtlCol="0">
+            <a:noAutofit/>
+          </a:bodyPr>
+          <a:lstStyle/>
+          <a:p>
+            <a:pPr defTabSz="457200">
+              <a:spcBef>
+                <a:spcPts val="1000"/>
+              </a:spcBef>
+              <a:buClr>
+                <a:schemeClr val="accent1"/>
+              </a:buClr>
+              <a:defRPr/>
+            </a:pPr>
+            <a:r>
+              <a:rPr lang="zh-TW" altLang="en-US" sz="5400" b="1" dirty="0">
                 <a:solidFill>
                   <a:srgbClr val="002060"/>
                 </a:solidFill>
                 <a:latin typeface="Times New Roman" pitchFamily="18" charset="0"/>
+                <a:ea typeface="Microsoft JhengHei" panose="020B0604030504040204" pitchFamily="34" charset="-120"/>
+                <a:cs typeface="Times New Roman" pitchFamily="18" charset="0"/>
+              </a:rPr>
+              <a:t>不分日夜秋冬春夏</a:t>
+            </a:r>
+            <a:r>
+              <a:rPr lang="en-US" altLang="zh-TW" sz="5400" b="1" dirty="0">
+                <a:solidFill>
+                  <a:srgbClr val="002060"/>
+                </a:solidFill>
+                <a:latin typeface="Times New Roman" pitchFamily="18" charset="0"/>
+                <a:ea typeface="Microsoft JhengHei" panose="020B0604030504040204" pitchFamily="34" charset="-120"/>
+                <a:cs typeface="Times New Roman" pitchFamily="18" charset="0"/>
+              </a:rPr>
+              <a:t> </a:t>
+            </a:r>
+          </a:p>
+          <a:p>
+            <a:pPr>
+              <a:spcBef>
+                <a:spcPts val="1000"/>
+              </a:spcBef>
+              <a:buClr>
+                <a:schemeClr val="accent1"/>
+              </a:buClr>
+              <a:defRPr/>
+            </a:pPr>
+            <a:r>
+              <a:rPr lang="en-US" sz="3600" b="1" dirty="0" err="1">
+                <a:solidFill>
+                  <a:srgbClr val="002060"/>
+                </a:solidFill>
+                <a:latin typeface="Times New Roman" pitchFamily="18" charset="0"/>
+                <a:cs typeface="Times New Roman" pitchFamily="18" charset="0"/>
+              </a:rPr>
+              <a:t>bất</a:t>
+            </a:r>
+            <a:r>
+              <a:rPr lang="en-US" sz="3600" b="1" dirty="0">
+                <a:solidFill>
+                  <a:srgbClr val="002060"/>
+                </a:solidFill>
+                <a:latin typeface="Times New Roman" pitchFamily="18" charset="0"/>
+                <a:cs typeface="Times New Roman" pitchFamily="18" charset="0"/>
+              </a:rPr>
+              <a:t> </a:t>
+            </a:r>
+            <a:r>
+              <a:rPr lang="en-US" sz="3600" b="1" dirty="0" err="1">
+                <a:solidFill>
+                  <a:srgbClr val="002060"/>
+                </a:solidFill>
+                <a:latin typeface="Times New Roman" pitchFamily="18" charset="0"/>
+                <a:cs typeface="Times New Roman" pitchFamily="18" charset="0"/>
+              </a:rPr>
+              <a:t>luận</a:t>
+            </a:r>
+            <a:r>
+              <a:rPr lang="en-US" sz="3600" b="1" dirty="0">
+                <a:solidFill>
+                  <a:srgbClr val="002060"/>
+                </a:solidFill>
+                <a:latin typeface="Times New Roman" pitchFamily="18" charset="0"/>
+                <a:cs typeface="Times New Roman" pitchFamily="18" charset="0"/>
+              </a:rPr>
+              <a:t> </a:t>
+            </a:r>
+            <a:r>
+              <a:rPr lang="en-US" sz="3600" b="1" dirty="0" err="1">
+                <a:solidFill>
+                  <a:srgbClr val="002060"/>
+                </a:solidFill>
+                <a:latin typeface="Times New Roman" pitchFamily="18" charset="0"/>
+                <a:cs typeface="Times New Roman" pitchFamily="18" charset="0"/>
+              </a:rPr>
+              <a:t>xuân</a:t>
+            </a:r>
+            <a:r>
+              <a:rPr lang="en-US" sz="3600" b="1" dirty="0">
+                <a:solidFill>
+                  <a:srgbClr val="002060"/>
+                </a:solidFill>
+                <a:latin typeface="Times New Roman" pitchFamily="18" charset="0"/>
+                <a:cs typeface="Times New Roman" pitchFamily="18" charset="0"/>
+              </a:rPr>
+              <a:t> </a:t>
+            </a:r>
+            <a:r>
+              <a:rPr lang="en-US" sz="3600" b="1" dirty="0" err="1">
+                <a:solidFill>
+                  <a:srgbClr val="002060"/>
+                </a:solidFill>
+                <a:latin typeface="Times New Roman" pitchFamily="18" charset="0"/>
+                <a:cs typeface="Times New Roman" pitchFamily="18" charset="0"/>
+              </a:rPr>
+              <a:t>hạ</a:t>
+            </a:r>
+            <a:r>
+              <a:rPr lang="en-US" sz="3600" b="1" dirty="0">
+                <a:solidFill>
+                  <a:srgbClr val="002060"/>
+                </a:solidFill>
+                <a:latin typeface="Times New Roman" pitchFamily="18" charset="0"/>
+                <a:cs typeface="Times New Roman" pitchFamily="18" charset="0"/>
+              </a:rPr>
+              <a:t> </a:t>
+            </a:r>
+            <a:r>
+              <a:rPr lang="en-US" sz="3600" b="1" dirty="0" err="1">
+                <a:solidFill>
+                  <a:srgbClr val="002060"/>
+                </a:solidFill>
+                <a:latin typeface="Times New Roman" pitchFamily="18" charset="0"/>
+                <a:cs typeface="Times New Roman" pitchFamily="18" charset="0"/>
+              </a:rPr>
+              <a:t>thu</a:t>
+            </a:r>
+            <a:r>
+              <a:rPr lang="en-US" sz="3600" b="1" dirty="0">
+                <a:solidFill>
+                  <a:srgbClr val="002060"/>
+                </a:solidFill>
+                <a:latin typeface="Times New Roman" pitchFamily="18" charset="0"/>
+                <a:cs typeface="Times New Roman" pitchFamily="18" charset="0"/>
+              </a:rPr>
+              <a:t> </a:t>
+            </a:r>
+            <a:r>
+              <a:rPr lang="en-US" sz="3600" b="1" dirty="0" err="1">
+                <a:solidFill>
+                  <a:srgbClr val="002060"/>
+                </a:solidFill>
+                <a:latin typeface="Times New Roman" pitchFamily="18" charset="0"/>
+                <a:cs typeface="Times New Roman" pitchFamily="18" charset="0"/>
+              </a:rPr>
+              <a:t>đông</a:t>
+            </a:r>
+            <a:endParaRPr lang="en-US" sz="3600" b="1" dirty="0">
+              <a:solidFill>
+                <a:srgbClr val="002060"/>
+              </a:solidFill>
+              <a:latin typeface="Times New Roman" pitchFamily="18" charset="0"/>
+              <a:cs typeface="Times New Roman" pitchFamily="18" charset="0"/>
+            </a:endParaRPr>
+          </a:p>
+          <a:p>
+            <a:pPr>
+              <a:spcBef>
+                <a:spcPts val="1000"/>
+              </a:spcBef>
+              <a:buClr>
+                <a:schemeClr val="accent1"/>
+              </a:buClr>
+              <a:defRPr/>
+            </a:pPr>
+            <a:r>
+              <a:rPr lang="zh-TW" altLang="en-US" sz="5400" b="1" dirty="0">
+                <a:solidFill>
+                  <a:srgbClr val="002060"/>
+                </a:solidFill>
+                <a:latin typeface="Times New Roman" pitchFamily="18" charset="0"/>
+                <a:ea typeface="Microsoft JhengHei" panose="020B0604030504040204" pitchFamily="34" charset="-120"/>
+                <a:cs typeface="Times New Roman" pitchFamily="18" charset="0"/>
+              </a:rPr>
+              <a:t>全心全意愛我們的家</a:t>
+            </a:r>
+            <a:endParaRPr lang="en-US" altLang="zh-TW" sz="5400" b="1" dirty="0">
+              <a:solidFill>
+                <a:srgbClr val="002060"/>
+              </a:solidFill>
+              <a:latin typeface="Times New Roman" pitchFamily="18" charset="0"/>
+              <a:ea typeface="Microsoft JhengHei" panose="020B0604030504040204" pitchFamily="34" charset="-120"/>
+              <a:cs typeface="Times New Roman" pitchFamily="18" charset="0"/>
+            </a:endParaRPr>
+          </a:p>
+          <a:p>
+            <a:pPr>
+              <a:spcBef>
+                <a:spcPts val="1000"/>
+              </a:spcBef>
+              <a:buClr>
+                <a:schemeClr val="accent1"/>
+              </a:buClr>
+              <a:defRPr/>
+            </a:pPr>
+            <a:r>
+              <a:rPr lang="en-US" sz="3600" b="1" dirty="0" err="1">
+                <a:solidFill>
+                  <a:srgbClr val="002060"/>
+                </a:solidFill>
+                <a:latin typeface="Times New Roman" pitchFamily="18" charset="0"/>
+                <a:cs typeface="Times New Roman" pitchFamily="18" charset="0"/>
+              </a:rPr>
+              <a:t>Hãy</a:t>
+            </a:r>
+            <a:r>
+              <a:rPr lang="en-US" sz="3600" b="1" dirty="0">
+                <a:solidFill>
+                  <a:srgbClr val="002060"/>
+                </a:solidFill>
+                <a:latin typeface="Times New Roman" pitchFamily="18" charset="0"/>
+                <a:cs typeface="Times New Roman" pitchFamily="18" charset="0"/>
+              </a:rPr>
+              <a:t> </a:t>
+            </a:r>
+            <a:r>
+              <a:rPr lang="en-US" sz="3600" b="1" dirty="0" err="1">
+                <a:solidFill>
+                  <a:srgbClr val="002060"/>
+                </a:solidFill>
+                <a:latin typeface="Times New Roman" pitchFamily="18" charset="0"/>
+                <a:cs typeface="Times New Roman" pitchFamily="18" charset="0"/>
+              </a:rPr>
+              <a:t>luôn</a:t>
+            </a:r>
+            <a:r>
+              <a:rPr lang="en-US" sz="3600" b="1" dirty="0">
+                <a:solidFill>
+                  <a:srgbClr val="002060"/>
+                </a:solidFill>
+                <a:latin typeface="Times New Roman" pitchFamily="18" charset="0"/>
+                <a:cs typeface="Times New Roman" pitchFamily="18" charset="0"/>
+              </a:rPr>
+              <a:t> </a:t>
+            </a:r>
+            <a:r>
+              <a:rPr lang="en-US" sz="3600" b="1" dirty="0" err="1">
+                <a:solidFill>
+                  <a:srgbClr val="002060"/>
+                </a:solidFill>
+                <a:latin typeface="Times New Roman" pitchFamily="18" charset="0"/>
+                <a:cs typeface="Times New Roman" pitchFamily="18" charset="0"/>
+              </a:rPr>
+              <a:t>toàn</a:t>
+            </a:r>
+            <a:r>
+              <a:rPr lang="en-US" sz="3600" b="1" dirty="0">
+                <a:solidFill>
+                  <a:srgbClr val="002060"/>
+                </a:solidFill>
+                <a:latin typeface="Times New Roman" pitchFamily="18" charset="0"/>
+                <a:cs typeface="Times New Roman" pitchFamily="18" charset="0"/>
+              </a:rPr>
+              <a:t> </a:t>
+            </a:r>
+            <a:r>
+              <a:rPr lang="en-US" sz="3600" b="1" dirty="0" err="1">
+                <a:solidFill>
+                  <a:srgbClr val="002060"/>
+                </a:solidFill>
+                <a:latin typeface="Times New Roman" pitchFamily="18" charset="0"/>
+                <a:cs typeface="Times New Roman" pitchFamily="18" charset="0"/>
+              </a:rPr>
+              <a:t>tâm</a:t>
+            </a:r>
+            <a:r>
+              <a:rPr lang="en-US" sz="3600" b="1" dirty="0">
+                <a:solidFill>
+                  <a:srgbClr val="002060"/>
+                </a:solidFill>
+                <a:latin typeface="Times New Roman" pitchFamily="18" charset="0"/>
+                <a:cs typeface="Times New Roman" pitchFamily="18" charset="0"/>
+              </a:rPr>
+              <a:t> </a:t>
+            </a:r>
+            <a:r>
+              <a:rPr lang="en-US" sz="3600" b="1" dirty="0" err="1">
+                <a:solidFill>
+                  <a:srgbClr val="002060"/>
+                </a:solidFill>
+                <a:latin typeface="Times New Roman" pitchFamily="18" charset="0"/>
+                <a:cs typeface="Times New Roman" pitchFamily="18" charset="0"/>
+              </a:rPr>
+              <a:t>toàn</a:t>
+            </a:r>
+            <a:r>
+              <a:rPr lang="en-US" sz="3600" b="1" dirty="0">
+                <a:solidFill>
+                  <a:srgbClr val="002060"/>
+                </a:solidFill>
+                <a:latin typeface="Times New Roman" pitchFamily="18" charset="0"/>
+                <a:cs typeface="Times New Roman" pitchFamily="18" charset="0"/>
+              </a:rPr>
+              <a:t> </a:t>
+            </a:r>
+            <a:r>
+              <a:rPr lang="en-US" sz="3600" b="1" dirty="0">
+                <a:solidFill>
+                  <a:srgbClr val="002060"/>
+                </a:solidFill>
+                <a:latin typeface="Times New Roman" pitchFamily="18" charset="0"/>
+                <a:cs typeface="Times New Roman" pitchFamily="18" charset="0"/>
+              </a:rPr>
+              <a:t>ý</a:t>
+            </a:r>
+          </a:p>
+          <a:p>
+            <a:pPr>
+              <a:spcBef>
+                <a:spcPts val="1000"/>
+              </a:spcBef>
+              <a:buClr>
+                <a:schemeClr val="accent1"/>
+              </a:buClr>
+              <a:defRPr/>
+            </a:pPr>
+            <a:r>
+              <a:rPr lang="en-US" sz="3600" b="1" dirty="0" err="1">
+                <a:solidFill>
+                  <a:srgbClr val="002060"/>
+                </a:solidFill>
+                <a:latin typeface="Times New Roman" pitchFamily="18" charset="0"/>
                 <a:cs typeface="Times New Roman" pitchFamily="18" charset="0"/>
               </a:rPr>
               <a:t>yêu</a:t>
             </a:r>
             <a:r>
-              <a:rPr lang="en-US" sz="3600" b="1" dirty="0" smtClean="0">
+              <a:rPr lang="en-US" sz="3600" b="1" dirty="0">
                 <a:solidFill>
                   <a:srgbClr val="002060"/>
                 </a:solidFill>
@@ -5817,7 +5598,7 @@
               </a:rPr>
               <a:t>bạn</a:t>
             </a:r>
-            <a:endParaRPr lang="en-US" sz="3500" b="1" dirty="0" smtClean="0">
+            <a:endParaRPr lang="en-US" sz="3500" b="1" dirty="0">
               <a:solidFill>
                 <a:srgbClr val="002060"/>
               </a:solidFill>
